--- a/Платформа для создания и публикации своих собственных комиксов.pptx
+++ b/Платформа для создания и публикации своих собственных комиксов.pptx
@@ -2,13 +2,19 @@
 <file path=ppt/presentation.xml><?xml version="1.0" encoding="utf-8"?>
 <p:presentation xmlns:a="http://schemas.openxmlformats.org/drawingml/2006/main" xmlns:r="http://schemas.openxmlformats.org/officeDocument/2006/relationships" xmlns:p="http://schemas.openxmlformats.org/presentationml/2006/main" saveSubsetFonts="1">
   <p:sldMasterIdLst>
-    <p:sldMasterId id="2147483648" r:id="rId1"/>
+    <p:sldMasterId id="2147483885" r:id="rId1"/>
   </p:sldMasterIdLst>
   <p:sldIdLst>
     <p:sldId id="256" r:id="rId2"/>
     <p:sldId id="257" r:id="rId3"/>
-    <p:sldId id="258" r:id="rId4"/>
-    <p:sldId id="259" r:id="rId5"/>
+    <p:sldId id="260" r:id="rId4"/>
+    <p:sldId id="261" r:id="rId5"/>
+    <p:sldId id="262" r:id="rId6"/>
+    <p:sldId id="263" r:id="rId7"/>
+    <p:sldId id="264" r:id="rId8"/>
+    <p:sldId id="258" r:id="rId9"/>
+    <p:sldId id="265" r:id="rId10"/>
+    <p:sldId id="259" r:id="rId11"/>
   </p:sldIdLst>
   <p:sldSz cx="12192000" cy="6858000"/>
   <p:notesSz cx="6858000" cy="9144000"/>
@@ -246,7 +252,7 @@
           <a:p>
             <a:fld id="{9BD59D8F-110A-491E-ABBE-D9A4860E6FA1}" type="datetimeFigureOut">
               <a:rPr lang="ru-RU" smtClean="0"/>
-              <a:t>06.10.2023</a:t>
+              <a:t>10.10.2023</a:t>
             </a:fld>
             <a:endParaRPr lang="ru-RU"/>
           </a:p>
@@ -297,7 +303,7 @@
     </p:spTree>
     <p:extLst>
       <p:ext uri="{BB962C8B-B14F-4D97-AF65-F5344CB8AC3E}">
-        <p14:creationId xmlns:p14="http://schemas.microsoft.com/office/powerpoint/2010/main" val="2411072740"/>
+        <p14:creationId xmlns:p14="http://schemas.microsoft.com/office/powerpoint/2010/main" val="1068850992"/>
       </p:ext>
     </p:extLst>
   </p:cSld>
@@ -416,7 +422,7 @@
           <a:p>
             <a:fld id="{9BD59D8F-110A-491E-ABBE-D9A4860E6FA1}" type="datetimeFigureOut">
               <a:rPr lang="ru-RU" smtClean="0"/>
-              <a:t>06.10.2023</a:t>
+              <a:t>10.10.2023</a:t>
             </a:fld>
             <a:endParaRPr lang="ru-RU"/>
           </a:p>
@@ -467,7 +473,7 @@
     </p:spTree>
     <p:extLst>
       <p:ext uri="{BB962C8B-B14F-4D97-AF65-F5344CB8AC3E}">
-        <p14:creationId xmlns:p14="http://schemas.microsoft.com/office/powerpoint/2010/main" val="4077734590"/>
+        <p14:creationId xmlns:p14="http://schemas.microsoft.com/office/powerpoint/2010/main" val="1449700337"/>
       </p:ext>
     </p:extLst>
   </p:cSld>
@@ -596,7 +602,7 @@
           <a:p>
             <a:fld id="{9BD59D8F-110A-491E-ABBE-D9A4860E6FA1}" type="datetimeFigureOut">
               <a:rPr lang="ru-RU" smtClean="0"/>
-              <a:t>06.10.2023</a:t>
+              <a:t>10.10.2023</a:t>
             </a:fld>
             <a:endParaRPr lang="ru-RU"/>
           </a:p>
@@ -647,7 +653,7 @@
     </p:spTree>
     <p:extLst>
       <p:ext uri="{BB962C8B-B14F-4D97-AF65-F5344CB8AC3E}">
-        <p14:creationId xmlns:p14="http://schemas.microsoft.com/office/powerpoint/2010/main" val="2968290682"/>
+        <p14:creationId xmlns:p14="http://schemas.microsoft.com/office/powerpoint/2010/main" val="2350814419"/>
       </p:ext>
     </p:extLst>
   </p:cSld>
@@ -766,7 +772,7 @@
           <a:p>
             <a:fld id="{9BD59D8F-110A-491E-ABBE-D9A4860E6FA1}" type="datetimeFigureOut">
               <a:rPr lang="ru-RU" smtClean="0"/>
-              <a:t>06.10.2023</a:t>
+              <a:t>10.10.2023</a:t>
             </a:fld>
             <a:endParaRPr lang="ru-RU"/>
           </a:p>
@@ -817,7 +823,7 @@
     </p:spTree>
     <p:extLst>
       <p:ext uri="{BB962C8B-B14F-4D97-AF65-F5344CB8AC3E}">
-        <p14:creationId xmlns:p14="http://schemas.microsoft.com/office/powerpoint/2010/main" val="218528730"/>
+        <p14:creationId xmlns:p14="http://schemas.microsoft.com/office/powerpoint/2010/main" val="1772081114"/>
       </p:ext>
     </p:extLst>
   </p:cSld>
@@ -1012,7 +1018,7 @@
           <a:p>
             <a:fld id="{9BD59D8F-110A-491E-ABBE-D9A4860E6FA1}" type="datetimeFigureOut">
               <a:rPr lang="ru-RU" smtClean="0"/>
-              <a:t>06.10.2023</a:t>
+              <a:t>10.10.2023</a:t>
             </a:fld>
             <a:endParaRPr lang="ru-RU"/>
           </a:p>
@@ -1063,7 +1069,7 @@
     </p:spTree>
     <p:extLst>
       <p:ext uri="{BB962C8B-B14F-4D97-AF65-F5344CB8AC3E}">
-        <p14:creationId xmlns:p14="http://schemas.microsoft.com/office/powerpoint/2010/main" val="1073631373"/>
+        <p14:creationId xmlns:p14="http://schemas.microsoft.com/office/powerpoint/2010/main" val="3749898601"/>
       </p:ext>
     </p:extLst>
   </p:cSld>
@@ -1244,7 +1250,7 @@
           <a:p>
             <a:fld id="{9BD59D8F-110A-491E-ABBE-D9A4860E6FA1}" type="datetimeFigureOut">
               <a:rPr lang="ru-RU" smtClean="0"/>
-              <a:t>06.10.2023</a:t>
+              <a:t>10.10.2023</a:t>
             </a:fld>
             <a:endParaRPr lang="ru-RU"/>
           </a:p>
@@ -1295,13 +1301,18 @@
     </p:spTree>
     <p:extLst>
       <p:ext uri="{BB962C8B-B14F-4D97-AF65-F5344CB8AC3E}">
-        <p14:creationId xmlns:p14="http://schemas.microsoft.com/office/powerpoint/2010/main" val="2795801197"/>
+        <p14:creationId xmlns:p14="http://schemas.microsoft.com/office/powerpoint/2010/main" val="3319318750"/>
       </p:ext>
     </p:extLst>
   </p:cSld>
   <p:clrMapOvr>
     <a:masterClrMapping/>
   </p:clrMapOvr>
+  <p:extLst>
+    <p:ext uri="{DCECCB84-F9BA-43D5-87BE-67443E8EF086}">
+      <p15:sldGuideLst xmlns:p15="http://schemas.microsoft.com/office/powerpoint/2012/main"/>
+    </p:ext>
+  </p:extLst>
 </p:sldLayout>
 </file>
 
@@ -1611,7 +1622,7 @@
           <a:p>
             <a:fld id="{9BD59D8F-110A-491E-ABBE-D9A4860E6FA1}" type="datetimeFigureOut">
               <a:rPr lang="ru-RU" smtClean="0"/>
-              <a:t>06.10.2023</a:t>
+              <a:t>10.10.2023</a:t>
             </a:fld>
             <a:endParaRPr lang="ru-RU"/>
           </a:p>
@@ -1662,13 +1673,18 @@
     </p:spTree>
     <p:extLst>
       <p:ext uri="{BB962C8B-B14F-4D97-AF65-F5344CB8AC3E}">
-        <p14:creationId xmlns:p14="http://schemas.microsoft.com/office/powerpoint/2010/main" val="3641294216"/>
+        <p14:creationId xmlns:p14="http://schemas.microsoft.com/office/powerpoint/2010/main" val="419145860"/>
       </p:ext>
     </p:extLst>
   </p:cSld>
   <p:clrMapOvr>
     <a:masterClrMapping/>
   </p:clrMapOvr>
+  <p:extLst>
+    <p:ext uri="{DCECCB84-F9BA-43D5-87BE-67443E8EF086}">
+      <p15:sldGuideLst xmlns:p15="http://schemas.microsoft.com/office/powerpoint/2012/main"/>
+    </p:ext>
+  </p:extLst>
 </p:sldLayout>
 </file>
 
@@ -1729,7 +1745,7 @@
           <a:p>
             <a:fld id="{9BD59D8F-110A-491E-ABBE-D9A4860E6FA1}" type="datetimeFigureOut">
               <a:rPr lang="ru-RU" smtClean="0"/>
-              <a:t>06.10.2023</a:t>
+              <a:t>10.10.2023</a:t>
             </a:fld>
             <a:endParaRPr lang="ru-RU"/>
           </a:p>
@@ -1780,7 +1796,7 @@
     </p:spTree>
     <p:extLst>
       <p:ext uri="{BB962C8B-B14F-4D97-AF65-F5344CB8AC3E}">
-        <p14:creationId xmlns:p14="http://schemas.microsoft.com/office/powerpoint/2010/main" val="2013952217"/>
+        <p14:creationId xmlns:p14="http://schemas.microsoft.com/office/powerpoint/2010/main" val="3508637891"/>
       </p:ext>
     </p:extLst>
   </p:cSld>
@@ -1824,7 +1840,7 @@
           <a:p>
             <a:fld id="{9BD59D8F-110A-491E-ABBE-D9A4860E6FA1}" type="datetimeFigureOut">
               <a:rPr lang="ru-RU" smtClean="0"/>
-              <a:t>06.10.2023</a:t>
+              <a:t>10.10.2023</a:t>
             </a:fld>
             <a:endParaRPr lang="ru-RU"/>
           </a:p>
@@ -1875,7 +1891,7 @@
     </p:spTree>
     <p:extLst>
       <p:ext uri="{BB962C8B-B14F-4D97-AF65-F5344CB8AC3E}">
-        <p14:creationId xmlns:p14="http://schemas.microsoft.com/office/powerpoint/2010/main" val="3262912428"/>
+        <p14:creationId xmlns:p14="http://schemas.microsoft.com/office/powerpoint/2010/main" val="1656918250"/>
       </p:ext>
     </p:extLst>
   </p:cSld>
@@ -2101,7 +2117,7 @@
           <a:p>
             <a:fld id="{9BD59D8F-110A-491E-ABBE-D9A4860E6FA1}" type="datetimeFigureOut">
               <a:rPr lang="ru-RU" smtClean="0"/>
-              <a:t>06.10.2023</a:t>
+              <a:t>10.10.2023</a:t>
             </a:fld>
             <a:endParaRPr lang="ru-RU"/>
           </a:p>
@@ -2152,13 +2168,18 @@
     </p:spTree>
     <p:extLst>
       <p:ext uri="{BB962C8B-B14F-4D97-AF65-F5344CB8AC3E}">
-        <p14:creationId xmlns:p14="http://schemas.microsoft.com/office/powerpoint/2010/main" val="1180971912"/>
+        <p14:creationId xmlns:p14="http://schemas.microsoft.com/office/powerpoint/2010/main" val="4208817200"/>
       </p:ext>
     </p:extLst>
   </p:cSld>
   <p:clrMapOvr>
     <a:masterClrMapping/>
   </p:clrMapOvr>
+  <p:extLst>
+    <p:ext uri="{DCECCB84-F9BA-43D5-87BE-67443E8EF086}">
+      <p15:sldGuideLst xmlns:p15="http://schemas.microsoft.com/office/powerpoint/2012/main"/>
+    </p:ext>
+  </p:extLst>
 </p:sldLayout>
 </file>
 
@@ -2354,7 +2375,7 @@
           <a:p>
             <a:fld id="{9BD59D8F-110A-491E-ABBE-D9A4860E6FA1}" type="datetimeFigureOut">
               <a:rPr lang="ru-RU" smtClean="0"/>
-              <a:t>06.10.2023</a:t>
+              <a:t>10.10.2023</a:t>
             </a:fld>
             <a:endParaRPr lang="ru-RU"/>
           </a:p>
@@ -2405,7 +2426,7 @@
     </p:spTree>
     <p:extLst>
       <p:ext uri="{BB962C8B-B14F-4D97-AF65-F5344CB8AC3E}">
-        <p14:creationId xmlns:p14="http://schemas.microsoft.com/office/powerpoint/2010/main" val="1135625527"/>
+        <p14:creationId xmlns:p14="http://schemas.microsoft.com/office/powerpoint/2010/main" val="1958868831"/>
       </p:ext>
     </p:extLst>
   </p:cSld>
@@ -2567,7 +2588,7 @@
           <a:p>
             <a:fld id="{9BD59D8F-110A-491E-ABBE-D9A4860E6FA1}" type="datetimeFigureOut">
               <a:rPr lang="ru-RU" smtClean="0"/>
-              <a:t>06.10.2023</a:t>
+              <a:t>10.10.2023</a:t>
             </a:fld>
             <a:endParaRPr lang="ru-RU"/>
           </a:p>
@@ -2654,23 +2675,23 @@
     </p:spTree>
     <p:extLst>
       <p:ext uri="{BB962C8B-B14F-4D97-AF65-F5344CB8AC3E}">
-        <p14:creationId xmlns:p14="http://schemas.microsoft.com/office/powerpoint/2010/main" val="3371777116"/>
+        <p14:creationId xmlns:p14="http://schemas.microsoft.com/office/powerpoint/2010/main" val="2344918320"/>
       </p:ext>
     </p:extLst>
   </p:cSld>
   <p:clrMap bg1="lt1" tx1="dk1" bg2="lt2" tx2="dk2" accent1="accent1" accent2="accent2" accent3="accent3" accent4="accent4" accent5="accent5" accent6="accent6" hlink="hlink" folHlink="folHlink"/>
   <p:sldLayoutIdLst>
-    <p:sldLayoutId id="2147483649" r:id="rId1"/>
-    <p:sldLayoutId id="2147483650" r:id="rId2"/>
-    <p:sldLayoutId id="2147483651" r:id="rId3"/>
-    <p:sldLayoutId id="2147483652" r:id="rId4"/>
-    <p:sldLayoutId id="2147483653" r:id="rId5"/>
-    <p:sldLayoutId id="2147483654" r:id="rId6"/>
-    <p:sldLayoutId id="2147483655" r:id="rId7"/>
-    <p:sldLayoutId id="2147483656" r:id="rId8"/>
-    <p:sldLayoutId id="2147483657" r:id="rId9"/>
-    <p:sldLayoutId id="2147483658" r:id="rId10"/>
-    <p:sldLayoutId id="2147483659" r:id="rId11"/>
+    <p:sldLayoutId id="2147483886" r:id="rId1"/>
+    <p:sldLayoutId id="2147483887" r:id="rId2"/>
+    <p:sldLayoutId id="2147483888" r:id="rId3"/>
+    <p:sldLayoutId id="2147483889" r:id="rId4"/>
+    <p:sldLayoutId id="2147483890" r:id="rId5"/>
+    <p:sldLayoutId id="2147483891" r:id="rId6"/>
+    <p:sldLayoutId id="2147483892" r:id="rId7"/>
+    <p:sldLayoutId id="2147483893" r:id="rId8"/>
+    <p:sldLayoutId id="2147483894" r:id="rId9"/>
+    <p:sldLayoutId id="2147483895" r:id="rId10"/>
+    <p:sldLayoutId id="2147483896" r:id="rId11"/>
   </p:sldLayoutIdLst>
   <p:txStyles>
     <p:titleStyle>
@@ -2952,6 +2973,11 @@
       </a:lvl9pPr>
     </p:otherStyle>
   </p:txStyles>
+  <p:extLst>
+    <p:ext uri="{27BBF7A9-308A-43DC-89C8-2F10F3537804}">
+      <p15:sldGuideLst xmlns:p15="http://schemas.microsoft.com/office/powerpoint/2012/main"/>
+    </p:ext>
+  </p:extLst>
 </p:sldMaster>
 </file>
 
@@ -2972,6 +2998,47 @@
           <a:chExt cx="0" cy="0"/>
         </a:xfrm>
       </p:grpSpPr>
+      <p:pic>
+        <p:nvPicPr>
+          <p:cNvPr id="1026" name="Picture 2" descr="Best Random Powerpoint Background For Presentation - Slidesdocs.com"/>
+          <p:cNvPicPr>
+            <a:picLocks noChangeAspect="1" noChangeArrowheads="1"/>
+          </p:cNvPicPr>
+          <p:nvPr/>
+        </p:nvPicPr>
+        <p:blipFill>
+          <a:blip r:embed="rId2">
+            <a:extLst>
+              <a:ext uri="{28A0092B-C50C-407E-A947-70E740481C1C}">
+                <a14:useLocalDpi xmlns:a14="http://schemas.microsoft.com/office/drawing/2010/main" val="0"/>
+              </a:ext>
+            </a:extLst>
+          </a:blip>
+          <a:srcRect/>
+          <a:stretch>
+            <a:fillRect/>
+          </a:stretch>
+        </p:blipFill>
+        <p:spPr bwMode="auto">
+          <a:xfrm>
+            <a:off x="0" y="-1"/>
+            <a:ext cx="12192000" cy="6858001"/>
+          </a:xfrm>
+          <a:prstGeom prst="rect">
+            <a:avLst/>
+          </a:prstGeom>
+          <a:noFill/>
+          <a:extLst>
+            <a:ext uri="{909E8E84-426E-40DD-AFC4-6F175D3DCCD1}">
+              <a14:hiddenFill xmlns:a14="http://schemas.microsoft.com/office/drawing/2010/main">
+                <a:solidFill>
+                  <a:srgbClr val="FFFFFF"/>
+                </a:solidFill>
+              </a14:hiddenFill>
+            </a:ext>
+          </a:extLst>
+        </p:spPr>
+      </p:pic>
       <p:sp>
         <p:nvSpPr>
           <p:cNvPr id="2" name="Заголовок 1"/>
@@ -2982,20 +3049,27 @@
             <p:ph type="ctrTitle"/>
           </p:nvPr>
         </p:nvSpPr>
-        <p:spPr/>
-        <p:txBody>
-          <a:bodyPr/>
-          <a:lstStyle/>
-          <a:p>
-            <a:r>
-              <a:rPr lang="ru-RU" dirty="0" err="1" smtClean="0"/>
-              <a:t>Интро</a:t>
-            </a:r>
-            <a:r>
-              <a:rPr lang="ru-RU" dirty="0" smtClean="0"/>
-              <a:t> (ПРЕЗЕНТАЦИЯ ЕЩЁ НЕ ДОДЕЛАНА)</a:t>
-            </a:r>
-            <a:endParaRPr lang="ru-RU" dirty="0"/>
+        <p:spPr>
+          <a:xfrm>
+            <a:off x="0" y="128830"/>
+            <a:ext cx="12192000" cy="2387600"/>
+          </a:xfrm>
+        </p:spPr>
+        <p:txBody>
+          <a:bodyPr>
+            <a:normAutofit/>
+          </a:bodyPr>
+          <a:lstStyle/>
+          <a:p>
+            <a:r>
+              <a:rPr lang="ru-RU" sz="5000" dirty="0" smtClean="0">
+                <a:latin typeface="Impact" panose="020B0806030902050204" pitchFamily="34" charset="0"/>
+              </a:rPr>
+              <a:t>Платформа для создания и публикации своих собственных комиксов</a:t>
+            </a:r>
+            <a:endParaRPr lang="ru-RU" sz="5000" dirty="0">
+              <a:latin typeface="Impact" panose="020B0806030902050204" pitchFamily="34" charset="0"/>
+            </a:endParaRPr>
           </a:p>
         </p:txBody>
       </p:sp>
@@ -3009,19 +3083,194 @@
             <p:ph type="subTitle" idx="1"/>
           </p:nvPr>
         </p:nvSpPr>
-        <p:spPr/>
-        <p:txBody>
-          <a:bodyPr/>
-          <a:lstStyle/>
-          <a:p>
-            <a:r>
-              <a:rPr lang="ru-RU" dirty="0" smtClean="0"/>
-              <a:t>Фамилии</a:t>
-            </a:r>
-            <a:endParaRPr lang="ru-RU" dirty="0"/>
-          </a:p>
-        </p:txBody>
-      </p:sp>
+        <p:spPr>
+          <a:xfrm>
+            <a:off x="1524000" y="4832960"/>
+            <a:ext cx="9144000" cy="1655762"/>
+          </a:xfrm>
+        </p:spPr>
+        <p:txBody>
+          <a:bodyPr>
+            <a:normAutofit lnSpcReduction="10000"/>
+          </a:bodyPr>
+          <a:lstStyle/>
+          <a:p>
+            <a:r>
+              <a:rPr lang="ru-RU" dirty="0" smtClean="0">
+                <a:latin typeface="Impact" panose="020B0806030902050204" pitchFamily="34" charset="0"/>
+                <a:cs typeface="Times New Roman" panose="02020603050405020304" pitchFamily="18" charset="0"/>
+              </a:rPr>
+              <a:t>Презентацию подготовили студенты группы 3ИСП11-18:</a:t>
+            </a:r>
+          </a:p>
+          <a:p>
+            <a:r>
+              <a:rPr lang="ru-RU" dirty="0" err="1" smtClean="0">
+                <a:latin typeface="Impact" panose="020B0806030902050204" pitchFamily="34" charset="0"/>
+                <a:cs typeface="Times New Roman" panose="02020603050405020304" pitchFamily="18" charset="0"/>
+              </a:rPr>
+              <a:t>Радченков</a:t>
+            </a:r>
+            <a:r>
+              <a:rPr lang="ru-RU" dirty="0" smtClean="0">
+                <a:latin typeface="Impact" panose="020B0806030902050204" pitchFamily="34" charset="0"/>
+                <a:cs typeface="Times New Roman" panose="02020603050405020304" pitchFamily="18" charset="0"/>
+              </a:rPr>
+              <a:t> В.В.</a:t>
+            </a:r>
+          </a:p>
+          <a:p>
+            <a:r>
+              <a:rPr lang="ru-RU" dirty="0" smtClean="0">
+                <a:latin typeface="Impact" panose="020B0806030902050204" pitchFamily="34" charset="0"/>
+                <a:cs typeface="Times New Roman" panose="02020603050405020304" pitchFamily="18" charset="0"/>
+              </a:rPr>
+              <a:t>Зверев Н.Д.</a:t>
+            </a:r>
+          </a:p>
+          <a:p>
+            <a:r>
+              <a:rPr lang="ru-RU" dirty="0" err="1" smtClean="0">
+                <a:latin typeface="Impact" panose="020B0806030902050204" pitchFamily="34" charset="0"/>
+                <a:cs typeface="Times New Roman" panose="02020603050405020304" pitchFamily="18" charset="0"/>
+              </a:rPr>
+              <a:t>Азимли</a:t>
+            </a:r>
+            <a:r>
+              <a:rPr lang="ru-RU" dirty="0" smtClean="0">
+                <a:latin typeface="Impact" panose="020B0806030902050204" pitchFamily="34" charset="0"/>
+                <a:cs typeface="Times New Roman" panose="02020603050405020304" pitchFamily="18" charset="0"/>
+              </a:rPr>
+              <a:t> А.Э.</a:t>
+            </a:r>
+            <a:endParaRPr lang="ru-RU" dirty="0">
+              <a:latin typeface="Impact" panose="020B0806030902050204" pitchFamily="34" charset="0"/>
+              <a:cs typeface="Times New Roman" panose="02020603050405020304" pitchFamily="18" charset="0"/>
+            </a:endParaRPr>
+          </a:p>
+        </p:txBody>
+      </p:sp>
+      <p:pic>
+        <p:nvPicPr>
+          <p:cNvPr id="4" name="Picture 2" descr="Batman Covers"/>
+          <p:cNvPicPr>
+            <a:picLocks noChangeAspect="1" noChangeArrowheads="1"/>
+          </p:cNvPicPr>
+          <p:nvPr/>
+        </p:nvPicPr>
+        <p:blipFill>
+          <a:blip r:embed="rId3" cstate="print">
+            <a:extLst>
+              <a:ext uri="{28A0092B-C50C-407E-A947-70E740481C1C}">
+                <a14:useLocalDpi xmlns:a14="http://schemas.microsoft.com/office/drawing/2010/main" val="0"/>
+              </a:ext>
+            </a:extLst>
+          </a:blip>
+          <a:srcRect/>
+          <a:stretch>
+            <a:fillRect/>
+          </a:stretch>
+        </p:blipFill>
+        <p:spPr bwMode="auto">
+          <a:xfrm>
+            <a:off x="5204635" y="2557551"/>
+            <a:ext cx="1611801" cy="2095342"/>
+          </a:xfrm>
+          <a:prstGeom prst="rect">
+            <a:avLst/>
+          </a:prstGeom>
+          <a:noFill/>
+          <a:extLst>
+            <a:ext uri="{909E8E84-426E-40DD-AFC4-6F175D3DCCD1}">
+              <a14:hiddenFill xmlns:a14="http://schemas.microsoft.com/office/drawing/2010/main">
+                <a:solidFill>
+                  <a:srgbClr val="FFFFFF"/>
+                </a:solidFill>
+              </a14:hiddenFill>
+            </a:ext>
+          </a:extLst>
+        </p:spPr>
+      </p:pic>
+      <p:pic>
+        <p:nvPicPr>
+          <p:cNvPr id="1030" name="Picture 6" descr="Superman Photo: old Superman comic cover | Superman comic, Superman comic  books, Superman"/>
+          <p:cNvPicPr>
+            <a:picLocks noChangeAspect="1" noChangeArrowheads="1"/>
+          </p:cNvPicPr>
+          <p:nvPr/>
+        </p:nvPicPr>
+        <p:blipFill>
+          <a:blip r:embed="rId4" cstate="print">
+            <a:extLst>
+              <a:ext uri="{28A0092B-C50C-407E-A947-70E740481C1C}">
+                <a14:useLocalDpi xmlns:a14="http://schemas.microsoft.com/office/drawing/2010/main" val="0"/>
+              </a:ext>
+            </a:extLst>
+          </a:blip>
+          <a:srcRect/>
+          <a:stretch>
+            <a:fillRect/>
+          </a:stretch>
+        </p:blipFill>
+        <p:spPr bwMode="auto">
+          <a:xfrm>
+            <a:off x="8396258" y="2531448"/>
+            <a:ext cx="1533888" cy="2121445"/>
+          </a:xfrm>
+          <a:prstGeom prst="rect">
+            <a:avLst/>
+          </a:prstGeom>
+          <a:noFill/>
+          <a:extLst>
+            <a:ext uri="{909E8E84-426E-40DD-AFC4-6F175D3DCCD1}">
+              <a14:hiddenFill xmlns:a14="http://schemas.microsoft.com/office/drawing/2010/main">
+                <a:solidFill>
+                  <a:srgbClr val="FFFFFF"/>
+                </a:solidFill>
+              </a14:hiddenFill>
+            </a:ext>
+          </a:extLst>
+        </p:spPr>
+      </p:pic>
+      <p:pic>
+        <p:nvPicPr>
+          <p:cNvPr id="1034" name="Picture 10" descr="Invincible Iron Man (2022) #1 | Comic Issues | Marvel"/>
+          <p:cNvPicPr>
+            <a:picLocks noChangeAspect="1" noChangeArrowheads="1"/>
+          </p:cNvPicPr>
+          <p:nvPr/>
+        </p:nvPicPr>
+        <p:blipFill rotWithShape="1">
+          <a:blip r:embed="rId5" cstate="print">
+            <a:extLst>
+              <a:ext uri="{28A0092B-C50C-407E-A947-70E740481C1C}">
+                <a14:useLocalDpi xmlns:a14="http://schemas.microsoft.com/office/drawing/2010/main" val="0"/>
+              </a:ext>
+            </a:extLst>
+          </a:blip>
+          <a:srcRect b="34908"/>
+          <a:stretch/>
+        </p:blipFill>
+        <p:spPr bwMode="auto">
+          <a:xfrm>
+            <a:off x="1579823" y="2549131"/>
+            <a:ext cx="2044990" cy="2046778"/>
+          </a:xfrm>
+          <a:prstGeom prst="rect">
+            <a:avLst/>
+          </a:prstGeom>
+          <a:noFill/>
+          <a:extLst>
+            <a:ext uri="{909E8E84-426E-40DD-AFC4-6F175D3DCCD1}">
+              <a14:hiddenFill xmlns:a14="http://schemas.microsoft.com/office/drawing/2010/main">
+                <a:solidFill>
+                  <a:srgbClr val="FFFFFF"/>
+                </a:solidFill>
+              </a14:hiddenFill>
+            </a:ext>
+          </a:extLst>
+        </p:spPr>
+      </p:pic>
     </p:spTree>
     <p:extLst>
       <p:ext uri="{BB962C8B-B14F-4D97-AF65-F5344CB8AC3E}">
@@ -3032,6 +3281,211 @@
   <p:clrMapOvr>
     <a:masterClrMapping/>
   </p:clrMapOvr>
+  <mc:AlternateContent xmlns:mc="http://schemas.openxmlformats.org/markup-compatibility/2006">
+    <mc:Choice xmlns:p15="http://schemas.microsoft.com/office/powerpoint/2012/main" Requires="p15">
+      <p:transition xmlns:p14="http://schemas.microsoft.com/office/powerpoint/2010/main" spd="slow" p14:dur="3500">
+        <p15:prstTrans prst="curtains"/>
+      </p:transition>
+    </mc:Choice>
+    <mc:Fallback>
+      <p:transition spd="slow">
+        <p:fade/>
+      </p:transition>
+    </mc:Fallback>
+  </mc:AlternateContent>
+  <p:timing>
+    <p:tnLst>
+      <p:par>
+        <p:cTn id="1" dur="indefinite" restart="never" nodeType="tmRoot"/>
+      </p:par>
+    </p:tnLst>
+  </p:timing>
+</p:sld>
+</file>
+
+<file path=ppt/slides/slide10.xml><?xml version="1.0" encoding="utf-8"?>
+<p:sld xmlns:a="http://schemas.openxmlformats.org/drawingml/2006/main" xmlns:r="http://schemas.openxmlformats.org/officeDocument/2006/relationships" xmlns:p="http://schemas.openxmlformats.org/presentationml/2006/main">
+  <p:cSld>
+    <p:spTree>
+      <p:nvGrpSpPr>
+        <p:cNvPr id="1" name=""/>
+        <p:cNvGrpSpPr/>
+        <p:nvPr/>
+      </p:nvGrpSpPr>
+      <p:grpSpPr>
+        <a:xfrm>
+          <a:off x="0" y="0"/>
+          <a:ext cx="0" cy="0"/>
+          <a:chOff x="0" y="0"/>
+          <a:chExt cx="0" cy="0"/>
+        </a:xfrm>
+      </p:grpSpPr>
+      <p:sp>
+        <p:nvSpPr>
+          <p:cNvPr id="2" name="Заголовок 1"/>
+          <p:cNvSpPr>
+            <a:spLocks noGrp="1"/>
+          </p:cNvSpPr>
+          <p:nvPr>
+            <p:ph type="title"/>
+          </p:nvPr>
+        </p:nvSpPr>
+        <p:spPr/>
+        <p:txBody>
+          <a:bodyPr/>
+          <a:lstStyle/>
+          <a:p>
+            <a:r>
+              <a:rPr lang="ru-RU" dirty="0" err="1" smtClean="0"/>
+              <a:t>Спс</a:t>
+            </a:r>
+            <a:r>
+              <a:rPr lang="ru-RU" dirty="0" smtClean="0"/>
+              <a:t> за внимание</a:t>
+            </a:r>
+            <a:endParaRPr lang="ru-RU" dirty="0"/>
+          </a:p>
+        </p:txBody>
+      </p:sp>
+      <p:sp>
+        <p:nvSpPr>
+          <p:cNvPr id="3" name="Объект 2"/>
+          <p:cNvSpPr>
+            <a:spLocks noGrp="1"/>
+          </p:cNvSpPr>
+          <p:nvPr>
+            <p:ph idx="1"/>
+          </p:nvPr>
+        </p:nvSpPr>
+        <p:spPr/>
+        <p:txBody>
+          <a:bodyPr/>
+          <a:lstStyle/>
+          <a:p>
+            <a:endParaRPr lang="ru-RU"/>
+          </a:p>
+        </p:txBody>
+      </p:sp>
+      <p:pic>
+        <p:nvPicPr>
+          <p:cNvPr id="1028" name="Picture 4" descr="Comic Background Images - Free Download on Freepik"/>
+          <p:cNvPicPr>
+            <a:picLocks noChangeAspect="1" noChangeArrowheads="1"/>
+          </p:cNvPicPr>
+          <p:nvPr/>
+        </p:nvPicPr>
+        <p:blipFill>
+          <a:blip r:embed="rId2">
+            <a:extLst>
+              <a:ext uri="{28A0092B-C50C-407E-A947-70E740481C1C}">
+                <a14:useLocalDpi xmlns:a14="http://schemas.microsoft.com/office/drawing/2010/main" val="0"/>
+              </a:ext>
+            </a:extLst>
+          </a:blip>
+          <a:srcRect/>
+          <a:stretch>
+            <a:fillRect/>
+          </a:stretch>
+        </p:blipFill>
+        <p:spPr bwMode="auto">
+          <a:xfrm>
+            <a:off x="0" y="0"/>
+            <a:ext cx="12191999" cy="6852523"/>
+          </a:xfrm>
+          <a:prstGeom prst="rect">
+            <a:avLst/>
+          </a:prstGeom>
+          <a:noFill/>
+          <a:extLst>
+            <a:ext uri="{909E8E84-426E-40DD-AFC4-6F175D3DCCD1}">
+              <a14:hiddenFill xmlns:a14="http://schemas.microsoft.com/office/drawing/2010/main">
+                <a:solidFill>
+                  <a:srgbClr val="FFFFFF"/>
+                </a:solidFill>
+              </a14:hiddenFill>
+            </a:ext>
+          </a:extLst>
+        </p:spPr>
+      </p:pic>
+      <p:sp>
+        <p:nvSpPr>
+          <p:cNvPr id="4" name="Прямоугольник 3"/>
+          <p:cNvSpPr/>
+          <p:nvPr/>
+        </p:nvSpPr>
+        <p:spPr>
+          <a:xfrm>
+            <a:off x="2561221" y="2967335"/>
+            <a:ext cx="7069564" cy="954107"/>
+          </a:xfrm>
+          <a:prstGeom prst="rect">
+            <a:avLst/>
+          </a:prstGeom>
+          <a:noFill/>
+        </p:spPr>
+        <p:txBody>
+          <a:bodyPr wrap="none" lIns="91440" tIns="45720" rIns="91440" bIns="45720">
+            <a:spAutoFit/>
+          </a:bodyPr>
+          <a:lstStyle/>
+          <a:p>
+            <a:pPr algn="ctr"/>
+            <a:r>
+              <a:rPr lang="ru-RU" sz="5600" b="0" cap="none" spc="0" dirty="0" smtClean="0">
+                <a:ln w="0"/>
+                <a:solidFill>
+                  <a:schemeClr val="bg1"/>
+                </a:solidFill>
+                <a:effectLst>
+                  <a:outerShdw blurRad="38100" dist="19050" dir="2700000" algn="tl" rotWithShape="0">
+                    <a:schemeClr val="dk1">
+                      <a:alpha val="40000"/>
+                    </a:schemeClr>
+                  </a:outerShdw>
+                </a:effectLst>
+                <a:latin typeface="Impact" panose="020B0806030902050204" pitchFamily="34" charset="0"/>
+              </a:rPr>
+              <a:t>СПАСИБО ЗА ВНИМАНИЕ</a:t>
+            </a:r>
+            <a:endParaRPr lang="ru-RU" sz="5600" b="0" cap="none" spc="0" dirty="0">
+              <a:ln w="0"/>
+              <a:solidFill>
+                <a:schemeClr val="bg1"/>
+              </a:solidFill>
+              <a:effectLst>
+                <a:outerShdw blurRad="38100" dist="19050" dir="2700000" algn="tl" rotWithShape="0">
+                  <a:schemeClr val="dk1">
+                    <a:alpha val="40000"/>
+                  </a:schemeClr>
+                </a:outerShdw>
+              </a:effectLst>
+              <a:latin typeface="Impact" panose="020B0806030902050204" pitchFamily="34" charset="0"/>
+            </a:endParaRPr>
+          </a:p>
+        </p:txBody>
+      </p:sp>
+    </p:spTree>
+    <p:extLst>
+      <p:ext uri="{BB962C8B-B14F-4D97-AF65-F5344CB8AC3E}">
+        <p14:creationId xmlns:p14="http://schemas.microsoft.com/office/powerpoint/2010/main" val="958590804"/>
+      </p:ext>
+    </p:extLst>
+  </p:cSld>
+  <p:clrMapOvr>
+    <a:masterClrMapping/>
+  </p:clrMapOvr>
+  <mc:AlternateContent xmlns:mc="http://schemas.openxmlformats.org/markup-compatibility/2006">
+    <mc:Choice xmlns:p14="http://schemas.microsoft.com/office/powerpoint/2010/main" Requires="p14">
+      <p:transition spd="slow" p14:dur="4000">
+        <p14:vortex dir="r"/>
+      </p:transition>
+    </mc:Choice>
+    <mc:Fallback>
+      <p:transition spd="slow">
+        <p:fade/>
+      </p:transition>
+    </mc:Fallback>
+  </mc:AlternateContent>
   <p:timing>
     <p:tnLst>
       <p:par>
@@ -3059,6 +3513,47 @@
           <a:chExt cx="0" cy="0"/>
         </a:xfrm>
       </p:grpSpPr>
+      <p:pic>
+        <p:nvPicPr>
+          <p:cNvPr id="2050" name="Picture 2" descr="Best Random Powerpoint Background For Presentation - Slidesdocs.com"/>
+          <p:cNvPicPr>
+            <a:picLocks noChangeAspect="1" noChangeArrowheads="1"/>
+          </p:cNvPicPr>
+          <p:nvPr/>
+        </p:nvPicPr>
+        <p:blipFill>
+          <a:blip r:embed="rId2">
+            <a:extLst>
+              <a:ext uri="{28A0092B-C50C-407E-A947-70E740481C1C}">
+                <a14:useLocalDpi xmlns:a14="http://schemas.microsoft.com/office/drawing/2010/main" val="0"/>
+              </a:ext>
+            </a:extLst>
+          </a:blip>
+          <a:srcRect/>
+          <a:stretch>
+            <a:fillRect/>
+          </a:stretch>
+        </p:blipFill>
+        <p:spPr bwMode="auto">
+          <a:xfrm>
+            <a:off x="3" y="0"/>
+            <a:ext cx="12191998" cy="6858000"/>
+          </a:xfrm>
+          <a:prstGeom prst="rect">
+            <a:avLst/>
+          </a:prstGeom>
+          <a:noFill/>
+          <a:extLst>
+            <a:ext uri="{909E8E84-426E-40DD-AFC4-6F175D3DCCD1}">
+              <a14:hiddenFill xmlns:a14="http://schemas.microsoft.com/office/drawing/2010/main">
+                <a:solidFill>
+                  <a:srgbClr val="FFFFFF"/>
+                </a:solidFill>
+              </a14:hiddenFill>
+            </a:ext>
+          </a:extLst>
+        </p:spPr>
+      </p:pic>
       <p:sp>
         <p:nvSpPr>
           <p:cNvPr id="2" name="Заголовок 1"/>
@@ -3069,16 +3564,26 @@
             <p:ph type="title"/>
           </p:nvPr>
         </p:nvSpPr>
-        <p:spPr/>
-        <p:txBody>
-          <a:bodyPr/>
-          <a:lstStyle/>
-          <a:p>
-            <a:r>
-              <a:rPr lang="ru-RU" dirty="0" smtClean="0"/>
-              <a:t>Что такое комикс</a:t>
-            </a:r>
-            <a:endParaRPr lang="ru-RU" dirty="0"/>
+        <p:spPr>
+          <a:xfrm>
+            <a:off x="0" y="587988"/>
+            <a:ext cx="12192000" cy="1325563"/>
+          </a:xfrm>
+        </p:spPr>
+        <p:txBody>
+          <a:bodyPr/>
+          <a:lstStyle/>
+          <a:p>
+            <a:pPr algn="ctr"/>
+            <a:r>
+              <a:rPr lang="ru-RU" dirty="0" smtClean="0">
+                <a:latin typeface="Impact" panose="020B0806030902050204" pitchFamily="34" charset="0"/>
+              </a:rPr>
+              <a:t>Что такое комикс?</a:t>
+            </a:r>
+            <a:endParaRPr lang="ru-RU" dirty="0">
+              <a:latin typeface="Impact" panose="020B0806030902050204" pitchFamily="34" charset="0"/>
+            </a:endParaRPr>
           </a:p>
         </p:txBody>
       </p:sp>
@@ -3092,19 +3597,61 @@
             <p:ph idx="1"/>
           </p:nvPr>
         </p:nvSpPr>
-        <p:spPr/>
-        <p:txBody>
-          <a:bodyPr/>
-          <a:lstStyle/>
-          <a:p>
-            <a:r>
-              <a:rPr lang="ru-RU" dirty="0" smtClean="0"/>
-              <a:t>Справа</a:t>
-            </a:r>
-            <a:endParaRPr lang="ru-RU" dirty="0"/>
-          </a:p>
-        </p:txBody>
-      </p:sp>
+        <p:spPr>
+          <a:xfrm>
+            <a:off x="838200" y="1517892"/>
+            <a:ext cx="7156933" cy="4812570"/>
+          </a:xfrm>
+        </p:spPr>
+        <p:txBody>
+          <a:bodyPr/>
+          <a:lstStyle/>
+          <a:p>
+            <a:pPr marL="0" indent="0">
+              <a:buNone/>
+            </a:pPr>
+            <a:r>
+              <a:rPr lang="ru-RU" b="1" dirty="0" smtClean="0">
+                <a:latin typeface="Impact" panose="020B0806030902050204" pitchFamily="34" charset="0"/>
+              </a:rPr>
+              <a:t>Комикс</a:t>
+            </a:r>
+            <a:r>
+              <a:rPr lang="ru-RU" dirty="0" smtClean="0">
+                <a:latin typeface="Impact" panose="020B0806030902050204" pitchFamily="34" charset="0"/>
+              </a:rPr>
+              <a:t> – это  общее название для всех рассказов в картинках, где сюжет рассказывается преимущественно с помощью иллюстраций, а не текста. Крупные комиксы, где в рисунках излагается полноценное художественное произведение, называют графическими романами, а короткие комиксы объемом в несколько рисунков – стрипами. К комиксам также относится японская манга.</a:t>
+            </a:r>
+            <a:endParaRPr lang="ru-RU" dirty="0">
+              <a:latin typeface="Impact" panose="020B0806030902050204" pitchFamily="34" charset="0"/>
+            </a:endParaRPr>
+          </a:p>
+        </p:txBody>
+      </p:sp>
+      <p:pic>
+        <p:nvPicPr>
+          <p:cNvPr id="4" name="Рисунок 3"/>
+          <p:cNvPicPr>
+            <a:picLocks noChangeAspect="1"/>
+          </p:cNvPicPr>
+          <p:nvPr/>
+        </p:nvPicPr>
+        <p:blipFill>
+          <a:blip r:embed="rId3"/>
+          <a:stretch>
+            <a:fillRect/>
+          </a:stretch>
+        </p:blipFill>
+        <p:spPr>
+          <a:xfrm>
+            <a:off x="7995134" y="1952685"/>
+            <a:ext cx="4027576" cy="3942983"/>
+          </a:xfrm>
+          <a:prstGeom prst="rect">
+            <a:avLst/>
+          </a:prstGeom>
+        </p:spPr>
+      </p:pic>
     </p:spTree>
     <p:extLst>
       <p:ext uri="{BB962C8B-B14F-4D97-AF65-F5344CB8AC3E}">
@@ -3115,6 +3662,18 @@
   <p:clrMapOvr>
     <a:masterClrMapping/>
   </p:clrMapOvr>
+  <mc:AlternateContent xmlns:mc="http://schemas.openxmlformats.org/markup-compatibility/2006">
+    <mc:Choice xmlns:p15="http://schemas.microsoft.com/office/powerpoint/2012/main" Requires="p15">
+      <p:transition xmlns:p14="http://schemas.microsoft.com/office/powerpoint/2010/main" spd="slow" p14:dur="3000">
+        <p15:prstTrans prst="fracture"/>
+      </p:transition>
+    </mc:Choice>
+    <mc:Fallback>
+      <p:transition spd="slow">
+        <p:fade/>
+      </p:transition>
+    </mc:Fallback>
+  </mc:AlternateContent>
   <p:timing>
     <p:tnLst>
       <p:par>
@@ -3142,6 +3701,47 @@
           <a:chExt cx="0" cy="0"/>
         </a:xfrm>
       </p:grpSpPr>
+      <p:pic>
+        <p:nvPicPr>
+          <p:cNvPr id="4" name="Picture 2" descr="Best Random Powerpoint Background For Presentation - Slidesdocs.com"/>
+          <p:cNvPicPr>
+            <a:picLocks noChangeAspect="1" noChangeArrowheads="1"/>
+          </p:cNvPicPr>
+          <p:nvPr/>
+        </p:nvPicPr>
+        <p:blipFill>
+          <a:blip r:embed="rId2">
+            <a:extLst>
+              <a:ext uri="{28A0092B-C50C-407E-A947-70E740481C1C}">
+                <a14:useLocalDpi xmlns:a14="http://schemas.microsoft.com/office/drawing/2010/main" val="0"/>
+              </a:ext>
+            </a:extLst>
+          </a:blip>
+          <a:srcRect/>
+          <a:stretch>
+            <a:fillRect/>
+          </a:stretch>
+        </p:blipFill>
+        <p:spPr bwMode="auto">
+          <a:xfrm>
+            <a:off x="0" y="-1"/>
+            <a:ext cx="12192000" cy="6858001"/>
+          </a:xfrm>
+          <a:prstGeom prst="rect">
+            <a:avLst/>
+          </a:prstGeom>
+          <a:noFill/>
+          <a:extLst>
+            <a:ext uri="{909E8E84-426E-40DD-AFC4-6F175D3DCCD1}">
+              <a14:hiddenFill xmlns:a14="http://schemas.microsoft.com/office/drawing/2010/main">
+                <a:solidFill>
+                  <a:srgbClr val="FFFFFF"/>
+                </a:solidFill>
+              </a14:hiddenFill>
+            </a:ext>
+          </a:extLst>
+        </p:spPr>
+      </p:pic>
       <p:sp>
         <p:nvSpPr>
           <p:cNvPr id="2" name="Заголовок 1"/>
@@ -3152,16 +3752,26 @@
             <p:ph type="title"/>
           </p:nvPr>
         </p:nvSpPr>
-        <p:spPr/>
-        <p:txBody>
-          <a:bodyPr/>
-          <a:lstStyle/>
-          <a:p>
-            <a:r>
-              <a:rPr lang="ru-RU" dirty="0" smtClean="0"/>
-              <a:t>Целевая аудитория</a:t>
-            </a:r>
-            <a:endParaRPr lang="ru-RU" dirty="0"/>
+        <p:spPr>
+          <a:xfrm>
+            <a:off x="838200" y="549763"/>
+            <a:ext cx="10515600" cy="1325563"/>
+          </a:xfrm>
+        </p:spPr>
+        <p:txBody>
+          <a:bodyPr/>
+          <a:lstStyle/>
+          <a:p>
+            <a:pPr algn="ctr"/>
+            <a:r>
+              <a:rPr lang="ru-RU" dirty="0" smtClean="0">
+                <a:latin typeface="Impact" panose="020B0806030902050204" pitchFamily="34" charset="0"/>
+              </a:rPr>
+              <a:t>Функционал платформы</a:t>
+            </a:r>
+            <a:endParaRPr lang="ru-RU" dirty="0">
+              <a:latin typeface="Impact" panose="020B0806030902050204" pitchFamily="34" charset="0"/>
+            </a:endParaRPr>
           </a:p>
         </p:txBody>
       </p:sp>
@@ -3175,29 +3785,126 @@
             <p:ph idx="1"/>
           </p:nvPr>
         </p:nvSpPr>
-        <p:spPr/>
-        <p:txBody>
-          <a:bodyPr/>
-          <a:lstStyle/>
-          <a:p>
-            <a:r>
-              <a:rPr lang="ru-RU" dirty="0" smtClean="0"/>
-              <a:t>Человечки</a:t>
-            </a:r>
-            <a:endParaRPr lang="ru-RU" dirty="0"/>
-          </a:p>
-        </p:txBody>
-      </p:sp>
+        <p:spPr>
+          <a:xfrm>
+            <a:off x="838200" y="1544272"/>
+            <a:ext cx="10515600" cy="4351338"/>
+          </a:xfrm>
+        </p:spPr>
+        <p:txBody>
+          <a:bodyPr/>
+          <a:lstStyle/>
+          <a:p>
+            <a:pPr marL="514350" indent="-514350">
+              <a:buAutoNum type="arabicParenR"/>
+            </a:pPr>
+            <a:r>
+              <a:rPr lang="ru-RU" dirty="0" smtClean="0">
+                <a:latin typeface="Impact" panose="020B0806030902050204" pitchFamily="34" charset="0"/>
+              </a:rPr>
+              <a:t>Зарегистрировать аккаунт, используя логин и пароль</a:t>
+            </a:r>
+          </a:p>
+          <a:p>
+            <a:pPr marL="514350" indent="-514350">
+              <a:buAutoNum type="arabicParenR"/>
+            </a:pPr>
+            <a:r>
+              <a:rPr lang="ru-RU" dirty="0" smtClean="0">
+                <a:latin typeface="Impact" panose="020B0806030902050204" pitchFamily="34" charset="0"/>
+              </a:rPr>
+              <a:t>Читать опубликованные комиксы</a:t>
+            </a:r>
+          </a:p>
+          <a:p>
+            <a:pPr marL="514350" indent="-514350">
+              <a:buAutoNum type="arabicParenR"/>
+            </a:pPr>
+            <a:r>
+              <a:rPr lang="ru-RU" dirty="0" smtClean="0">
+                <a:latin typeface="Impact" panose="020B0806030902050204" pitchFamily="34" charset="0"/>
+              </a:rPr>
+              <a:t>Опубликовывать комиксы</a:t>
+            </a:r>
+          </a:p>
+          <a:p>
+            <a:pPr marL="514350" indent="-514350">
+              <a:buAutoNum type="arabicParenR"/>
+            </a:pPr>
+            <a:r>
+              <a:rPr lang="ru-RU" dirty="0" smtClean="0">
+                <a:latin typeface="Impact" panose="020B0806030902050204" pitchFamily="34" charset="0"/>
+              </a:rPr>
+              <a:t>Удалять опубликованные комиксы</a:t>
+            </a:r>
+          </a:p>
+          <a:p>
+            <a:pPr marL="514350" indent="-514350">
+              <a:buAutoNum type="arabicParenR"/>
+            </a:pPr>
+            <a:r>
+              <a:rPr lang="ru-RU" dirty="0" smtClean="0">
+                <a:latin typeface="Impact" panose="020B0806030902050204" pitchFamily="34" charset="0"/>
+              </a:rPr>
+              <a:t>Редактировать опубликованные комиксы</a:t>
+            </a:r>
+          </a:p>
+          <a:p>
+            <a:pPr marL="514350" indent="-514350">
+              <a:buAutoNum type="arabicParenR"/>
+            </a:pPr>
+            <a:endParaRPr lang="ru-RU" dirty="0" smtClean="0">
+              <a:latin typeface="Impact" panose="020B0806030902050204" pitchFamily="34" charset="0"/>
+            </a:endParaRPr>
+          </a:p>
+        </p:txBody>
+      </p:sp>
+      <p:pic>
+        <p:nvPicPr>
+          <p:cNvPr id="5" name="Рисунок 4"/>
+          <p:cNvPicPr>
+            <a:picLocks noChangeAspect="1"/>
+          </p:cNvPicPr>
+          <p:nvPr/>
+        </p:nvPicPr>
+        <p:blipFill>
+          <a:blip r:embed="rId3"/>
+          <a:stretch>
+            <a:fillRect/>
+          </a:stretch>
+        </p:blipFill>
+        <p:spPr>
+          <a:xfrm>
+            <a:off x="3720244" y="4196173"/>
+            <a:ext cx="3430013" cy="2180632"/>
+          </a:xfrm>
+          <a:prstGeom prst="rect">
+            <a:avLst/>
+          </a:prstGeom>
+        </p:spPr>
+      </p:pic>
     </p:spTree>
     <p:extLst>
       <p:ext uri="{BB962C8B-B14F-4D97-AF65-F5344CB8AC3E}">
-        <p14:creationId xmlns:p14="http://schemas.microsoft.com/office/powerpoint/2010/main" val="1126781592"/>
+        <p14:creationId xmlns:p14="http://schemas.microsoft.com/office/powerpoint/2010/main" val="2196147955"/>
       </p:ext>
     </p:extLst>
   </p:cSld>
   <p:clrMapOvr>
     <a:masterClrMapping/>
   </p:clrMapOvr>
+  <mc:AlternateContent xmlns:mc="http://schemas.openxmlformats.org/markup-compatibility/2006">
+    <mc:Choice xmlns:p14="http://schemas.microsoft.com/office/powerpoint/2010/main" Requires="p14">
+      <p:transition spd="slow" p14:dur="2200">
+        <p:dissolve/>
+      </p:transition>
+    </mc:Choice>
+    <mc:Fallback>
+      <p:transition spd="slow">
+        <p:dissolve/>
+      </p:transition>
+    </mc:Fallback>
+  </mc:AlternateContent>
   <p:timing>
     <p:tnLst>
       <p:par>
@@ -3225,55 +3932,9 @@
           <a:chExt cx="0" cy="0"/>
         </a:xfrm>
       </p:grpSpPr>
-      <p:sp>
-        <p:nvSpPr>
-          <p:cNvPr id="2" name="Заголовок 1"/>
-          <p:cNvSpPr>
-            <a:spLocks noGrp="1"/>
-          </p:cNvSpPr>
-          <p:nvPr>
-            <p:ph type="title"/>
-          </p:nvPr>
-        </p:nvSpPr>
-        <p:spPr/>
-        <p:txBody>
-          <a:bodyPr/>
-          <a:lstStyle/>
-          <a:p>
-            <a:r>
-              <a:rPr lang="ru-RU" dirty="0" err="1" smtClean="0"/>
-              <a:t>Спс</a:t>
-            </a:r>
-            <a:r>
-              <a:rPr lang="ru-RU" dirty="0" smtClean="0"/>
-              <a:t> за внимание</a:t>
-            </a:r>
-            <a:endParaRPr lang="ru-RU" dirty="0"/>
-          </a:p>
-        </p:txBody>
-      </p:sp>
-      <p:sp>
-        <p:nvSpPr>
-          <p:cNvPr id="3" name="Объект 2"/>
-          <p:cNvSpPr>
-            <a:spLocks noGrp="1"/>
-          </p:cNvSpPr>
-          <p:nvPr>
-            <p:ph idx="1"/>
-          </p:nvPr>
-        </p:nvSpPr>
-        <p:spPr/>
-        <p:txBody>
-          <a:bodyPr/>
-          <a:lstStyle/>
-          <a:p>
-            <a:endParaRPr lang="ru-RU"/>
-          </a:p>
-        </p:txBody>
-      </p:sp>
       <p:pic>
         <p:nvPicPr>
-          <p:cNvPr id="1028" name="Picture 4" descr="Comic Background Images - Free Download on Freepik"/>
+          <p:cNvPr id="4" name="Picture 2" descr="Best Random Powerpoint Background For Presentation - Slidesdocs.com"/>
           <p:cNvPicPr>
             <a:picLocks noChangeAspect="1" noChangeArrowheads="1"/>
           </p:cNvPicPr>
@@ -3294,8 +3955,8 @@
         </p:blipFill>
         <p:spPr bwMode="auto">
           <a:xfrm>
-            <a:off x="0" y="0"/>
-            <a:ext cx="12191999" cy="6852523"/>
+            <a:off x="0" y="-1"/>
+            <a:ext cx="12192000" cy="6858001"/>
           </a:xfrm>
           <a:prstGeom prst="rect">
             <a:avLst/>
@@ -3314,71 +3975,1626 @@
       </p:pic>
       <p:sp>
         <p:nvSpPr>
-          <p:cNvPr id="4" name="Прямоугольник 3"/>
-          <p:cNvSpPr/>
+          <p:cNvPr id="2" name="Заголовок 1"/>
+          <p:cNvSpPr>
+            <a:spLocks noGrp="1"/>
+          </p:cNvSpPr>
+          <p:nvPr>
+            <p:ph type="title"/>
+          </p:nvPr>
+        </p:nvSpPr>
+        <p:spPr>
+          <a:xfrm>
+            <a:off x="838200" y="505800"/>
+            <a:ext cx="10515600" cy="1325563"/>
+          </a:xfrm>
+        </p:spPr>
+        <p:txBody>
+          <a:bodyPr/>
+          <a:lstStyle/>
+          <a:p>
+            <a:pPr algn="ctr"/>
+            <a:r>
+              <a:rPr lang="ru-RU" dirty="0" smtClean="0">
+                <a:latin typeface="Impact" panose="020B0806030902050204" pitchFamily="34" charset="0"/>
+              </a:rPr>
+              <a:t>Интерфейс платформы</a:t>
+            </a:r>
+            <a:endParaRPr lang="ru-RU" dirty="0">
+              <a:latin typeface="Impact" panose="020B0806030902050204" pitchFamily="34" charset="0"/>
+            </a:endParaRPr>
+          </a:p>
+        </p:txBody>
+      </p:sp>
+      <p:sp>
+        <p:nvSpPr>
+          <p:cNvPr id="3" name="Объект 2"/>
+          <p:cNvSpPr>
+            <a:spLocks noGrp="1"/>
+          </p:cNvSpPr>
+          <p:nvPr>
+            <p:ph idx="1"/>
+          </p:nvPr>
+        </p:nvSpPr>
+        <p:spPr>
+          <a:xfrm>
+            <a:off x="82065" y="1740877"/>
+            <a:ext cx="5905501" cy="5046785"/>
+          </a:xfrm>
+        </p:spPr>
+        <p:txBody>
+          <a:bodyPr>
+            <a:normAutofit fontScale="77500" lnSpcReduction="20000"/>
+          </a:bodyPr>
+          <a:lstStyle/>
+          <a:p>
+            <a:pPr marL="0" indent="0">
+              <a:buNone/>
+            </a:pPr>
+            <a:r>
+              <a:rPr lang="ru-RU" dirty="0" smtClean="0">
+                <a:latin typeface="Impact" panose="020B0806030902050204" pitchFamily="34" charset="0"/>
+              </a:rPr>
+              <a:t>На платформе по стандарту установлена светлая тема, но пользователь может сменить на тёмную тему с </a:t>
+            </a:r>
+            <a:r>
+              <a:rPr lang="ru-RU" dirty="0">
+                <a:latin typeface="Impact" panose="020B0806030902050204" pitchFamily="34" charset="0"/>
+              </a:rPr>
+              <a:t>помощью кнопки </a:t>
+            </a:r>
+            <a:r>
+              <a:rPr lang="ru-RU" dirty="0" smtClean="0">
+                <a:latin typeface="Impact" panose="020B0806030902050204" pitchFamily="34" charset="0"/>
+              </a:rPr>
+              <a:t>◑</a:t>
+            </a:r>
+          </a:p>
+          <a:p>
+            <a:pPr marL="0" indent="0">
+              <a:buNone/>
+            </a:pPr>
+            <a:endParaRPr lang="ru-RU" dirty="0" smtClean="0">
+              <a:latin typeface="Impact" panose="020B0806030902050204" pitchFamily="34" charset="0"/>
+            </a:endParaRPr>
+          </a:p>
+          <a:p>
+            <a:pPr marL="0" indent="0">
+              <a:buNone/>
+            </a:pPr>
+            <a:r>
+              <a:rPr lang="ru-RU" dirty="0" smtClean="0">
+                <a:latin typeface="Impact" panose="020B0806030902050204" pitchFamily="34" charset="0"/>
+              </a:rPr>
+              <a:t>На платформе пользователь может взаимодействовать с такими кнопками, как «Добавить комикс», «Изменить комикс», «Сохранить комикс», «Добавить ещё одну страницу комикса» и т.д.</a:t>
+            </a:r>
+          </a:p>
+          <a:p>
+            <a:pPr marL="0" indent="0">
+              <a:buNone/>
+            </a:pPr>
+            <a:endParaRPr lang="ru-RU" dirty="0">
+              <a:latin typeface="Impact" panose="020B0806030902050204" pitchFamily="34" charset="0"/>
+            </a:endParaRPr>
+          </a:p>
+          <a:p>
+            <a:pPr marL="0" indent="0">
+              <a:buNone/>
+            </a:pPr>
+            <a:r>
+              <a:rPr lang="ru-RU" dirty="0" smtClean="0">
+                <a:latin typeface="Impact" panose="020B0806030902050204" pitchFamily="34" charset="0"/>
+              </a:rPr>
+              <a:t>Пользователь может посмотреть автора  комикса, название комикса, дату созданию комикса и опубликован ли комикс</a:t>
+            </a:r>
+          </a:p>
+          <a:p>
+            <a:pPr marL="0" indent="0">
+              <a:buNone/>
+            </a:pPr>
+            <a:endParaRPr lang="ru-RU" dirty="0" smtClean="0">
+              <a:latin typeface="Impact" panose="020B0806030902050204" pitchFamily="34" charset="0"/>
+            </a:endParaRPr>
+          </a:p>
+          <a:p>
+            <a:pPr marL="0" indent="0">
+              <a:buNone/>
+            </a:pPr>
+            <a:r>
+              <a:rPr lang="ru-RU" dirty="0" smtClean="0">
+                <a:latin typeface="Impact" panose="020B0806030902050204" pitchFamily="34" charset="0"/>
+              </a:rPr>
+              <a:t> </a:t>
+            </a:r>
+          </a:p>
+          <a:p>
+            <a:pPr marL="0" indent="0">
+              <a:buNone/>
+            </a:pPr>
+            <a:endParaRPr lang="ru-RU" dirty="0">
+              <a:latin typeface="Impact" panose="020B0806030902050204" pitchFamily="34" charset="0"/>
+            </a:endParaRPr>
+          </a:p>
+        </p:txBody>
+      </p:sp>
+      <p:pic>
+        <p:nvPicPr>
+          <p:cNvPr id="6" name="Рисунок 5"/>
+          <p:cNvPicPr>
+            <a:picLocks noChangeAspect="1"/>
+          </p:cNvPicPr>
           <p:nvPr/>
-        </p:nvSpPr>
+        </p:nvPicPr>
+        <p:blipFill>
+          <a:blip r:embed="rId3"/>
+          <a:stretch>
+            <a:fillRect/>
+          </a:stretch>
+        </p:blipFill>
         <p:spPr>
           <a:xfrm>
-            <a:off x="2561221" y="2967335"/>
-            <a:ext cx="7069564" cy="954107"/>
+            <a:off x="6034455" y="3060214"/>
+            <a:ext cx="5943600" cy="1057275"/>
           </a:xfrm>
           <a:prstGeom prst="rect">
             <a:avLst/>
           </a:prstGeom>
-          <a:noFill/>
-        </p:spPr>
-        <p:txBody>
-          <a:bodyPr wrap="none" lIns="91440" tIns="45720" rIns="91440" bIns="45720">
-            <a:spAutoFit/>
-          </a:bodyPr>
-          <a:lstStyle/>
-          <a:p>
-            <a:pPr algn="ctr"/>
-            <a:r>
-              <a:rPr lang="ru-RU" sz="5600" b="0" cap="none" spc="0" dirty="0" smtClean="0">
-                <a:ln w="0"/>
-                <a:solidFill>
-                  <a:schemeClr val="bg1"/>
-                </a:solidFill>
-                <a:effectLst>
-                  <a:outerShdw blurRad="38100" dist="19050" dir="2700000" algn="tl" rotWithShape="0">
-                    <a:schemeClr val="dk1">
-                      <a:alpha val="40000"/>
-                    </a:schemeClr>
-                  </a:outerShdw>
-                </a:effectLst>
-                <a:latin typeface="Impact" panose="020B0806030902050204" pitchFamily="34" charset="0"/>
-              </a:rPr>
-              <a:t>СПАСИБО ЗА ВНИМАНИЕ</a:t>
-            </a:r>
-            <a:endParaRPr lang="ru-RU" sz="5600" b="0" cap="none" spc="0" dirty="0">
-              <a:ln w="0"/>
-              <a:solidFill>
-                <a:schemeClr val="bg1"/>
-              </a:solidFill>
-              <a:effectLst>
-                <a:outerShdw blurRad="38100" dist="19050" dir="2700000" algn="tl" rotWithShape="0">
-                  <a:schemeClr val="dk1">
-                    <a:alpha val="40000"/>
-                  </a:schemeClr>
-                </a:outerShdw>
-              </a:effectLst>
-              <a:latin typeface="Impact" panose="020B0806030902050204" pitchFamily="34" charset="0"/>
-            </a:endParaRPr>
-          </a:p>
-        </p:txBody>
-      </p:sp>
+        </p:spPr>
+      </p:pic>
+      <p:pic>
+        <p:nvPicPr>
+          <p:cNvPr id="7" name="Рисунок 6"/>
+          <p:cNvPicPr/>
+          <p:nvPr/>
+        </p:nvPicPr>
+        <p:blipFill>
+          <a:blip r:embed="rId4"/>
+          <a:stretch>
+            <a:fillRect/>
+          </a:stretch>
+        </p:blipFill>
+        <p:spPr>
+          <a:xfrm>
+            <a:off x="5852845" y="1831363"/>
+            <a:ext cx="6125210" cy="714375"/>
+          </a:xfrm>
+          <a:prstGeom prst="rect">
+            <a:avLst/>
+          </a:prstGeom>
+        </p:spPr>
+      </p:pic>
+      <p:pic>
+        <p:nvPicPr>
+          <p:cNvPr id="9" name="Рисунок 8"/>
+          <p:cNvPicPr/>
+          <p:nvPr/>
+        </p:nvPicPr>
+        <p:blipFill>
+          <a:blip r:embed="rId5"/>
+          <a:stretch>
+            <a:fillRect/>
+          </a:stretch>
+        </p:blipFill>
+        <p:spPr>
+          <a:xfrm>
+            <a:off x="6037630" y="4684614"/>
+            <a:ext cx="5940425" cy="561340"/>
+          </a:xfrm>
+          <a:prstGeom prst="rect">
+            <a:avLst/>
+          </a:prstGeom>
+        </p:spPr>
+      </p:pic>
     </p:spTree>
     <p:extLst>
       <p:ext uri="{BB962C8B-B14F-4D97-AF65-F5344CB8AC3E}">
-        <p14:creationId xmlns:p14="http://schemas.microsoft.com/office/powerpoint/2010/main" val="958590804"/>
+        <p14:creationId xmlns:p14="http://schemas.microsoft.com/office/powerpoint/2010/main" val="277997598"/>
       </p:ext>
     </p:extLst>
   </p:cSld>
   <p:clrMapOvr>
     <a:masterClrMapping/>
   </p:clrMapOvr>
+  <mc:AlternateContent xmlns:mc="http://schemas.openxmlformats.org/markup-compatibility/2006">
+    <mc:Choice xmlns:p14="http://schemas.microsoft.com/office/powerpoint/2010/main" Requires="p14">
+      <p:transition spd="slow" p14:dur="2600">
+        <p14:gallery dir="l"/>
+      </p:transition>
+    </mc:Choice>
+    <mc:Fallback>
+      <p:transition spd="slow">
+        <p:fade/>
+      </p:transition>
+    </mc:Fallback>
+  </mc:AlternateContent>
+  <p:timing>
+    <p:tnLst>
+      <p:par>
+        <p:cTn id="1" dur="indefinite" restart="never" nodeType="tmRoot"/>
+      </p:par>
+    </p:tnLst>
+  </p:timing>
+</p:sld>
+</file>
+
+<file path=ppt/slides/slide5.xml><?xml version="1.0" encoding="utf-8"?>
+<p:sld xmlns:a="http://schemas.openxmlformats.org/drawingml/2006/main" xmlns:r="http://schemas.openxmlformats.org/officeDocument/2006/relationships" xmlns:p="http://schemas.openxmlformats.org/presentationml/2006/main">
+  <p:cSld>
+    <p:spTree>
+      <p:nvGrpSpPr>
+        <p:cNvPr id="1" name=""/>
+        <p:cNvGrpSpPr/>
+        <p:nvPr/>
+      </p:nvGrpSpPr>
+      <p:grpSpPr>
+        <a:xfrm>
+          <a:off x="0" y="0"/>
+          <a:ext cx="0" cy="0"/>
+          <a:chOff x="0" y="0"/>
+          <a:chExt cx="0" cy="0"/>
+        </a:xfrm>
+      </p:grpSpPr>
+      <p:pic>
+        <p:nvPicPr>
+          <p:cNvPr id="4" name="Picture 2" descr="Best Random Powerpoint Background For Presentation - Slidesdocs.com"/>
+          <p:cNvPicPr>
+            <a:picLocks noChangeAspect="1" noChangeArrowheads="1"/>
+          </p:cNvPicPr>
+          <p:nvPr/>
+        </p:nvPicPr>
+        <p:blipFill>
+          <a:blip r:embed="rId2">
+            <a:extLst>
+              <a:ext uri="{28A0092B-C50C-407E-A947-70E740481C1C}">
+                <a14:useLocalDpi xmlns:a14="http://schemas.microsoft.com/office/drawing/2010/main" val="0"/>
+              </a:ext>
+            </a:extLst>
+          </a:blip>
+          <a:srcRect/>
+          <a:stretch>
+            <a:fillRect/>
+          </a:stretch>
+        </p:blipFill>
+        <p:spPr bwMode="auto">
+          <a:xfrm>
+            <a:off x="0" y="-1"/>
+            <a:ext cx="12192000" cy="6858001"/>
+          </a:xfrm>
+          <a:prstGeom prst="rect">
+            <a:avLst/>
+          </a:prstGeom>
+          <a:noFill/>
+          <a:extLst>
+            <a:ext uri="{909E8E84-426E-40DD-AFC4-6F175D3DCCD1}">
+              <a14:hiddenFill xmlns:a14="http://schemas.microsoft.com/office/drawing/2010/main">
+                <a:solidFill>
+                  <a:srgbClr val="FFFFFF"/>
+                </a:solidFill>
+              </a14:hiddenFill>
+            </a:ext>
+          </a:extLst>
+        </p:spPr>
+      </p:pic>
+      <p:sp>
+        <p:nvSpPr>
+          <p:cNvPr id="2" name="Заголовок 1"/>
+          <p:cNvSpPr>
+            <a:spLocks noGrp="1"/>
+          </p:cNvSpPr>
+          <p:nvPr>
+            <p:ph type="title"/>
+          </p:nvPr>
+        </p:nvSpPr>
+        <p:spPr>
+          <a:xfrm>
+            <a:off x="838200" y="470629"/>
+            <a:ext cx="10515600" cy="1325563"/>
+          </a:xfrm>
+        </p:spPr>
+        <p:txBody>
+          <a:bodyPr/>
+          <a:lstStyle/>
+          <a:p>
+            <a:pPr algn="ctr"/>
+            <a:r>
+              <a:rPr lang="ru-RU" dirty="0" smtClean="0">
+                <a:latin typeface="Impact" panose="020B0806030902050204" pitchFamily="34" charset="0"/>
+              </a:rPr>
+              <a:t>Создание платформы</a:t>
+            </a:r>
+            <a:endParaRPr lang="ru-RU" dirty="0">
+              <a:latin typeface="Impact" panose="020B0806030902050204" pitchFamily="34" charset="0"/>
+            </a:endParaRPr>
+          </a:p>
+        </p:txBody>
+      </p:sp>
+      <p:sp>
+        <p:nvSpPr>
+          <p:cNvPr id="3" name="Объект 2"/>
+          <p:cNvSpPr>
+            <a:spLocks noGrp="1"/>
+          </p:cNvSpPr>
+          <p:nvPr>
+            <p:ph idx="1"/>
+          </p:nvPr>
+        </p:nvSpPr>
+        <p:spPr>
+          <a:xfrm>
+            <a:off x="838200" y="1447552"/>
+            <a:ext cx="10515600" cy="4351338"/>
+          </a:xfrm>
+        </p:spPr>
+        <p:txBody>
+          <a:bodyPr/>
+          <a:lstStyle/>
+          <a:p>
+            <a:pPr marL="0" indent="0">
+              <a:buNone/>
+            </a:pPr>
+            <a:r>
+              <a:rPr lang="en-US" dirty="0" smtClean="0">
+                <a:latin typeface="Impact" panose="020B0806030902050204" pitchFamily="34" charset="0"/>
+              </a:rPr>
+              <a:t>Back-end: Python Django</a:t>
+            </a:r>
+          </a:p>
+          <a:p>
+            <a:pPr marL="0" indent="0">
+              <a:buNone/>
+            </a:pPr>
+            <a:r>
+              <a:rPr lang="en-US" dirty="0" smtClean="0">
+                <a:latin typeface="Impact" panose="020B0806030902050204" pitchFamily="34" charset="0"/>
+              </a:rPr>
+              <a:t>Front-end: HTML, CSS, JS, Bootstrap</a:t>
+            </a:r>
+            <a:endParaRPr lang="ru-RU" dirty="0" smtClean="0">
+              <a:latin typeface="Impact" panose="020B0806030902050204" pitchFamily="34" charset="0"/>
+            </a:endParaRPr>
+          </a:p>
+          <a:p>
+            <a:pPr marL="0" indent="0">
+              <a:buNone/>
+            </a:pPr>
+            <a:r>
+              <a:rPr lang="ru-RU" dirty="0" smtClean="0">
+                <a:latin typeface="Impact" panose="020B0806030902050204" pitchFamily="34" charset="0"/>
+              </a:rPr>
+              <a:t>Платформа находится на веб-сервисе </a:t>
+            </a:r>
+            <a:r>
+              <a:rPr lang="en-US" dirty="0" smtClean="0">
+                <a:latin typeface="Impact" panose="020B0806030902050204" pitchFamily="34" charset="0"/>
+              </a:rPr>
+              <a:t>GitHub</a:t>
+            </a:r>
+            <a:r>
+              <a:rPr lang="ru-RU" dirty="0" smtClean="0">
+                <a:latin typeface="Impact" panose="020B0806030902050204" pitchFamily="34" charset="0"/>
+              </a:rPr>
+              <a:t>. Для того, чтобы воспользоваться платформой нужно перейти по ссылке: </a:t>
+            </a:r>
+            <a:r>
+              <a:rPr lang="en-US" dirty="0">
+                <a:latin typeface="Impact" panose="020B0806030902050204" pitchFamily="34" charset="0"/>
+                <a:hlinkClick r:id="rId3"/>
+              </a:rPr>
+              <a:t>https://</a:t>
+            </a:r>
+            <a:r>
+              <a:rPr lang="en-US" dirty="0" smtClean="0">
+                <a:latin typeface="Impact" panose="020B0806030902050204" pitchFamily="34" charset="0"/>
+                <a:hlinkClick r:id="rId3"/>
+              </a:rPr>
+              <a:t>github.com/ZverevNikita/Comics_publishing_platform</a:t>
+            </a:r>
+            <a:endParaRPr lang="ru-RU" dirty="0" smtClean="0">
+              <a:latin typeface="Impact" panose="020B0806030902050204" pitchFamily="34" charset="0"/>
+            </a:endParaRPr>
+          </a:p>
+          <a:p>
+            <a:pPr marL="0" indent="0">
+              <a:buNone/>
+            </a:pPr>
+            <a:r>
+              <a:rPr lang="ru-RU" dirty="0" smtClean="0">
+                <a:latin typeface="Impact" panose="020B0806030902050204" pitchFamily="34" charset="0"/>
+              </a:rPr>
+              <a:t>В </a:t>
+            </a:r>
+            <a:r>
+              <a:rPr lang="ru-RU" dirty="0" err="1" smtClean="0">
+                <a:latin typeface="Impact" panose="020B0806030902050204" pitchFamily="34" charset="0"/>
+              </a:rPr>
+              <a:t>репозитории</a:t>
+            </a:r>
+            <a:r>
+              <a:rPr lang="ru-RU" dirty="0" smtClean="0">
+                <a:latin typeface="Impact" panose="020B0806030902050204" pitchFamily="34" charset="0"/>
+              </a:rPr>
+              <a:t> прилагается техническая документация, в которой написана инструкция по применению платформы</a:t>
+            </a:r>
+            <a:endParaRPr lang="ru-RU" dirty="0">
+              <a:latin typeface="Impact" panose="020B0806030902050204" pitchFamily="34" charset="0"/>
+            </a:endParaRPr>
+          </a:p>
+        </p:txBody>
+      </p:sp>
+      <p:pic>
+        <p:nvPicPr>
+          <p:cNvPr id="2052" name="Picture 4" descr="Python (programming language) - Wikipedia"/>
+          <p:cNvPicPr>
+            <a:picLocks noChangeAspect="1" noChangeArrowheads="1"/>
+          </p:cNvPicPr>
+          <p:nvPr/>
+        </p:nvPicPr>
+        <p:blipFill>
+          <a:blip r:embed="rId4" cstate="print">
+            <a:extLst>
+              <a:ext uri="{28A0092B-C50C-407E-A947-70E740481C1C}">
+                <a14:useLocalDpi xmlns:a14="http://schemas.microsoft.com/office/drawing/2010/main" val="0"/>
+              </a:ext>
+            </a:extLst>
+          </a:blip>
+          <a:srcRect/>
+          <a:stretch>
+            <a:fillRect/>
+          </a:stretch>
+        </p:blipFill>
+        <p:spPr bwMode="auto">
+          <a:xfrm>
+            <a:off x="2459160" y="4970689"/>
+            <a:ext cx="1396798" cy="1530658"/>
+          </a:xfrm>
+          <a:prstGeom prst="rect">
+            <a:avLst/>
+          </a:prstGeom>
+          <a:noFill/>
+          <a:extLst>
+            <a:ext uri="{909E8E84-426E-40DD-AFC4-6F175D3DCCD1}">
+              <a14:hiddenFill xmlns:a14="http://schemas.microsoft.com/office/drawing/2010/main">
+                <a:solidFill>
+                  <a:srgbClr val="FFFFFF"/>
+                </a:solidFill>
+              </a14:hiddenFill>
+            </a:ext>
+          </a:extLst>
+        </p:spPr>
+      </p:pic>
+      <p:pic>
+        <p:nvPicPr>
+          <p:cNvPr id="2056" name="Picture 8" descr="UBC GitHub Instructor Guide | Learning Technology Hub"/>
+          <p:cNvPicPr>
+            <a:picLocks noChangeAspect="1" noChangeArrowheads="1"/>
+          </p:cNvPicPr>
+          <p:nvPr/>
+        </p:nvPicPr>
+        <p:blipFill>
+          <a:blip r:embed="rId5" cstate="print">
+            <a:extLst>
+              <a:ext uri="{28A0092B-C50C-407E-A947-70E740481C1C}">
+                <a14:useLocalDpi xmlns:a14="http://schemas.microsoft.com/office/drawing/2010/main" val="0"/>
+              </a:ext>
+            </a:extLst>
+          </a:blip>
+          <a:srcRect/>
+          <a:stretch>
+            <a:fillRect/>
+          </a:stretch>
+        </p:blipFill>
+        <p:spPr bwMode="auto">
+          <a:xfrm>
+            <a:off x="6711840" y="4852289"/>
+            <a:ext cx="2624277" cy="1476156"/>
+          </a:xfrm>
+          <a:prstGeom prst="rect">
+            <a:avLst/>
+          </a:prstGeom>
+          <a:noFill/>
+          <a:extLst>
+            <a:ext uri="{909E8E84-426E-40DD-AFC4-6F175D3DCCD1}">
+              <a14:hiddenFill xmlns:a14="http://schemas.microsoft.com/office/drawing/2010/main">
+                <a:solidFill>
+                  <a:srgbClr val="FFFFFF"/>
+                </a:solidFill>
+              </a14:hiddenFill>
+            </a:ext>
+          </a:extLst>
+        </p:spPr>
+      </p:pic>
+    </p:spTree>
+    <p:extLst>
+      <p:ext uri="{BB962C8B-B14F-4D97-AF65-F5344CB8AC3E}">
+        <p14:creationId xmlns:p14="http://schemas.microsoft.com/office/powerpoint/2010/main" val="1796853078"/>
+      </p:ext>
+    </p:extLst>
+  </p:cSld>
+  <p:clrMapOvr>
+    <a:masterClrMapping/>
+  </p:clrMapOvr>
+  <mc:AlternateContent xmlns:mc="http://schemas.openxmlformats.org/markup-compatibility/2006">
+    <mc:Choice xmlns:p14="http://schemas.microsoft.com/office/powerpoint/2010/main" Requires="p14">
+      <p:transition spd="slow" p14:dur="4000">
+        <p14:honeycomb/>
+      </p:transition>
+    </mc:Choice>
+    <mc:Fallback>
+      <p:transition spd="slow">
+        <p:fade/>
+      </p:transition>
+    </mc:Fallback>
+  </mc:AlternateContent>
+  <p:timing>
+    <p:tnLst>
+      <p:par>
+        <p:cTn id="1" dur="indefinite" restart="never" nodeType="tmRoot"/>
+      </p:par>
+    </p:tnLst>
+  </p:timing>
+</p:sld>
+</file>
+
+<file path=ppt/slides/slide6.xml><?xml version="1.0" encoding="utf-8"?>
+<p:sld xmlns:a="http://schemas.openxmlformats.org/drawingml/2006/main" xmlns:r="http://schemas.openxmlformats.org/officeDocument/2006/relationships" xmlns:p="http://schemas.openxmlformats.org/presentationml/2006/main">
+  <p:cSld>
+    <p:spTree>
+      <p:nvGrpSpPr>
+        <p:cNvPr id="1" name=""/>
+        <p:cNvGrpSpPr/>
+        <p:nvPr/>
+      </p:nvGrpSpPr>
+      <p:grpSpPr>
+        <a:xfrm>
+          <a:off x="0" y="0"/>
+          <a:ext cx="0" cy="0"/>
+          <a:chOff x="0" y="0"/>
+          <a:chExt cx="0" cy="0"/>
+        </a:xfrm>
+      </p:grpSpPr>
+      <p:pic>
+        <p:nvPicPr>
+          <p:cNvPr id="4" name="Picture 2" descr="Best Random Powerpoint Background For Presentation - Slidesdocs.com"/>
+          <p:cNvPicPr>
+            <a:picLocks noChangeAspect="1" noChangeArrowheads="1"/>
+          </p:cNvPicPr>
+          <p:nvPr/>
+        </p:nvPicPr>
+        <p:blipFill>
+          <a:blip r:embed="rId2">
+            <a:extLst>
+              <a:ext uri="{28A0092B-C50C-407E-A947-70E740481C1C}">
+                <a14:useLocalDpi xmlns:a14="http://schemas.microsoft.com/office/drawing/2010/main" val="0"/>
+              </a:ext>
+            </a:extLst>
+          </a:blip>
+          <a:srcRect/>
+          <a:stretch>
+            <a:fillRect/>
+          </a:stretch>
+        </p:blipFill>
+        <p:spPr bwMode="auto">
+          <a:xfrm>
+            <a:off x="0" y="0"/>
+            <a:ext cx="12192000" cy="6858001"/>
+          </a:xfrm>
+          <a:prstGeom prst="rect">
+            <a:avLst/>
+          </a:prstGeom>
+          <a:noFill/>
+          <a:extLst>
+            <a:ext uri="{909E8E84-426E-40DD-AFC4-6F175D3DCCD1}">
+              <a14:hiddenFill xmlns:a14="http://schemas.microsoft.com/office/drawing/2010/main">
+                <a:solidFill>
+                  <a:srgbClr val="FFFFFF"/>
+                </a:solidFill>
+              </a14:hiddenFill>
+            </a:ext>
+          </a:extLst>
+        </p:spPr>
+      </p:pic>
+      <p:sp>
+        <p:nvSpPr>
+          <p:cNvPr id="2" name="Заголовок 1"/>
+          <p:cNvSpPr>
+            <a:spLocks noGrp="1"/>
+          </p:cNvSpPr>
+          <p:nvPr>
+            <p:ph type="title"/>
+          </p:nvPr>
+        </p:nvSpPr>
+        <p:spPr>
+          <a:xfrm>
+            <a:off x="838200" y="505803"/>
+            <a:ext cx="10515600" cy="1325563"/>
+          </a:xfrm>
+        </p:spPr>
+        <p:txBody>
+          <a:bodyPr/>
+          <a:lstStyle/>
+          <a:p>
+            <a:pPr algn="ctr"/>
+            <a:r>
+              <a:rPr lang="ru-RU" dirty="0" smtClean="0">
+                <a:latin typeface="Impact" panose="020B0806030902050204" pitchFamily="34" charset="0"/>
+              </a:rPr>
+              <a:t>Схема платформы</a:t>
+            </a:r>
+            <a:endParaRPr lang="ru-RU" dirty="0">
+              <a:latin typeface="Impact" panose="020B0806030902050204" pitchFamily="34" charset="0"/>
+            </a:endParaRPr>
+          </a:p>
+        </p:txBody>
+      </p:sp>
+      <p:sp>
+        <p:nvSpPr>
+          <p:cNvPr id="3" name="Объект 2"/>
+          <p:cNvSpPr>
+            <a:spLocks noGrp="1"/>
+          </p:cNvSpPr>
+          <p:nvPr>
+            <p:ph idx="1"/>
+          </p:nvPr>
+        </p:nvSpPr>
+        <p:spPr>
+          <a:xfrm>
+            <a:off x="284287" y="1623396"/>
+            <a:ext cx="6635260" cy="4794982"/>
+          </a:xfrm>
+        </p:spPr>
+        <p:txBody>
+          <a:bodyPr/>
+          <a:lstStyle/>
+          <a:p>
+            <a:pPr marL="0" indent="0">
+              <a:buNone/>
+            </a:pPr>
+            <a:r>
+              <a:rPr lang="ru-RU" dirty="0" smtClean="0">
+                <a:latin typeface="Impact" panose="020B0806030902050204" pitchFamily="34" charset="0"/>
+              </a:rPr>
+              <a:t>Помимо технической документации в </a:t>
+            </a:r>
+            <a:r>
+              <a:rPr lang="ru-RU" dirty="0" err="1" smtClean="0">
+                <a:latin typeface="Impact" panose="020B0806030902050204" pitchFamily="34" charset="0"/>
+              </a:rPr>
+              <a:t>репозитории</a:t>
+            </a:r>
+            <a:r>
+              <a:rPr lang="ru-RU" dirty="0" smtClean="0">
+                <a:latin typeface="Impact" panose="020B0806030902050204" pitchFamily="34" charset="0"/>
+              </a:rPr>
+              <a:t> так же находится схема, на которой можно увидеть:</a:t>
+            </a:r>
+          </a:p>
+          <a:p>
+            <a:pPr>
+              <a:buFont typeface="Wingdings" panose="05000000000000000000" pitchFamily="2" charset="2"/>
+              <a:buChar char="Ø"/>
+            </a:pPr>
+            <a:r>
+              <a:rPr lang="ru-RU" dirty="0">
+                <a:latin typeface="Impact" panose="020B0806030902050204" pitchFamily="34" charset="0"/>
+              </a:rPr>
+              <a:t> </a:t>
+            </a:r>
+            <a:r>
+              <a:rPr lang="ru-RU" dirty="0" smtClean="0">
+                <a:latin typeface="Impact" panose="020B0806030902050204" pitchFamily="34" charset="0"/>
+              </a:rPr>
+              <a:t>Возможности платформы</a:t>
+            </a:r>
+          </a:p>
+          <a:p>
+            <a:pPr>
+              <a:buFont typeface="Wingdings" panose="05000000000000000000" pitchFamily="2" charset="2"/>
+              <a:buChar char="Ø"/>
+            </a:pPr>
+            <a:r>
+              <a:rPr lang="ru-RU" dirty="0" smtClean="0">
+                <a:latin typeface="Impact" panose="020B0806030902050204" pitchFamily="34" charset="0"/>
+              </a:rPr>
+              <a:t> Дизайн проекта (</a:t>
+            </a:r>
+            <a:r>
+              <a:rPr lang="en-US" dirty="0" smtClean="0">
+                <a:latin typeface="Impact" panose="020B0806030902050204" pitchFamily="34" charset="0"/>
+              </a:rPr>
+              <a:t>Front-end, Back-end)</a:t>
+            </a:r>
+            <a:endParaRPr lang="ru-RU" dirty="0" smtClean="0">
+              <a:latin typeface="Impact" panose="020B0806030902050204" pitchFamily="34" charset="0"/>
+            </a:endParaRPr>
+          </a:p>
+          <a:p>
+            <a:pPr>
+              <a:buFont typeface="Wingdings" panose="05000000000000000000" pitchFamily="2" charset="2"/>
+              <a:buChar char="Ø"/>
+            </a:pPr>
+            <a:r>
+              <a:rPr lang="ru-RU" dirty="0">
+                <a:latin typeface="Impact" panose="020B0806030902050204" pitchFamily="34" charset="0"/>
+              </a:rPr>
+              <a:t> </a:t>
+            </a:r>
+            <a:r>
+              <a:rPr lang="ru-RU" dirty="0" smtClean="0">
+                <a:latin typeface="Impact" panose="020B0806030902050204" pitchFamily="34" charset="0"/>
+              </a:rPr>
+              <a:t>Целевая аудитория</a:t>
+            </a:r>
+          </a:p>
+          <a:p>
+            <a:pPr>
+              <a:buFont typeface="Wingdings" panose="05000000000000000000" pitchFamily="2" charset="2"/>
+              <a:buChar char="Ø"/>
+            </a:pPr>
+            <a:r>
+              <a:rPr lang="ru-RU" dirty="0">
+                <a:latin typeface="Impact" panose="020B0806030902050204" pitchFamily="34" charset="0"/>
+              </a:rPr>
+              <a:t> </a:t>
+            </a:r>
+            <a:r>
+              <a:rPr lang="ru-RU" dirty="0" smtClean="0">
+                <a:latin typeface="Impact" panose="020B0806030902050204" pitchFamily="34" charset="0"/>
+              </a:rPr>
+              <a:t>Архитектура проекта (Общая структура, взаимодействие компонентов)</a:t>
+            </a:r>
+            <a:endParaRPr lang="ru-RU" dirty="0">
+              <a:latin typeface="Impact" panose="020B0806030902050204" pitchFamily="34" charset="0"/>
+            </a:endParaRPr>
+          </a:p>
+        </p:txBody>
+      </p:sp>
+      <p:pic>
+        <p:nvPicPr>
+          <p:cNvPr id="5122" name="Picture 2" descr="https://raw.githubusercontent.com/ZverevNikita/Comics_publishing_platform/main/%D0%A1%D1%85%D0%B5%D0%BC%D0%B0.png"/>
+          <p:cNvPicPr>
+            <a:picLocks noChangeAspect="1" noChangeArrowheads="1"/>
+          </p:cNvPicPr>
+          <p:nvPr/>
+        </p:nvPicPr>
+        <p:blipFill>
+          <a:blip r:embed="rId3">
+            <a:extLst>
+              <a:ext uri="{28A0092B-C50C-407E-A947-70E740481C1C}">
+                <a14:useLocalDpi xmlns:a14="http://schemas.microsoft.com/office/drawing/2010/main" val="0"/>
+              </a:ext>
+            </a:extLst>
+          </a:blip>
+          <a:srcRect/>
+          <a:stretch>
+            <a:fillRect/>
+          </a:stretch>
+        </p:blipFill>
+        <p:spPr bwMode="auto">
+          <a:xfrm>
+            <a:off x="7203834" y="1596351"/>
+            <a:ext cx="4211719" cy="4822027"/>
+          </a:xfrm>
+          <a:prstGeom prst="rect">
+            <a:avLst/>
+          </a:prstGeom>
+          <a:noFill/>
+          <a:extLst>
+            <a:ext uri="{909E8E84-426E-40DD-AFC4-6F175D3DCCD1}">
+              <a14:hiddenFill xmlns:a14="http://schemas.microsoft.com/office/drawing/2010/main">
+                <a:solidFill>
+                  <a:srgbClr val="FFFFFF"/>
+                </a:solidFill>
+              </a14:hiddenFill>
+            </a:ext>
+          </a:extLst>
+        </p:spPr>
+      </p:pic>
+    </p:spTree>
+    <p:extLst>
+      <p:ext uri="{BB962C8B-B14F-4D97-AF65-F5344CB8AC3E}">
+        <p14:creationId xmlns:p14="http://schemas.microsoft.com/office/powerpoint/2010/main" val="1161803437"/>
+      </p:ext>
+    </p:extLst>
+  </p:cSld>
+  <p:clrMapOvr>
+    <a:masterClrMapping/>
+  </p:clrMapOvr>
+  <mc:AlternateContent xmlns:mc="http://schemas.openxmlformats.org/markup-compatibility/2006">
+    <mc:Choice xmlns:p14="http://schemas.microsoft.com/office/powerpoint/2010/main" Requires="p14">
+      <p:transition spd="slow" p14:dur="2400">
+        <p:blinds dir="vert"/>
+      </p:transition>
+    </mc:Choice>
+    <mc:Fallback>
+      <p:transition spd="slow">
+        <p:blinds dir="vert"/>
+      </p:transition>
+    </mc:Fallback>
+  </mc:AlternateContent>
+  <p:timing>
+    <p:tnLst>
+      <p:par>
+        <p:cTn id="1" dur="indefinite" restart="never" nodeType="tmRoot"/>
+      </p:par>
+    </p:tnLst>
+  </p:timing>
+</p:sld>
+</file>
+
+<file path=ppt/slides/slide7.xml><?xml version="1.0" encoding="utf-8"?>
+<p:sld xmlns:a="http://schemas.openxmlformats.org/drawingml/2006/main" xmlns:r="http://schemas.openxmlformats.org/officeDocument/2006/relationships" xmlns:p="http://schemas.openxmlformats.org/presentationml/2006/main">
+  <p:cSld>
+    <p:spTree>
+      <p:nvGrpSpPr>
+        <p:cNvPr id="1" name=""/>
+        <p:cNvGrpSpPr/>
+        <p:nvPr/>
+      </p:nvGrpSpPr>
+      <p:grpSpPr>
+        <a:xfrm>
+          <a:off x="0" y="0"/>
+          <a:ext cx="0" cy="0"/>
+          <a:chOff x="0" y="0"/>
+          <a:chExt cx="0" cy="0"/>
+        </a:xfrm>
+      </p:grpSpPr>
+      <p:pic>
+        <p:nvPicPr>
+          <p:cNvPr id="4" name="Picture 2" descr="Best Random Powerpoint Background For Presentation - Slidesdocs.com"/>
+          <p:cNvPicPr>
+            <a:picLocks noChangeAspect="1" noChangeArrowheads="1"/>
+          </p:cNvPicPr>
+          <p:nvPr/>
+        </p:nvPicPr>
+        <p:blipFill>
+          <a:blip r:embed="rId2">
+            <a:extLst>
+              <a:ext uri="{28A0092B-C50C-407E-A947-70E740481C1C}">
+                <a14:useLocalDpi xmlns:a14="http://schemas.microsoft.com/office/drawing/2010/main" val="0"/>
+              </a:ext>
+            </a:extLst>
+          </a:blip>
+          <a:srcRect/>
+          <a:stretch>
+            <a:fillRect/>
+          </a:stretch>
+        </p:blipFill>
+        <p:spPr bwMode="auto">
+          <a:xfrm>
+            <a:off x="0" y="0"/>
+            <a:ext cx="12192000" cy="6858001"/>
+          </a:xfrm>
+          <a:prstGeom prst="rect">
+            <a:avLst/>
+          </a:prstGeom>
+          <a:noFill/>
+          <a:extLst>
+            <a:ext uri="{909E8E84-426E-40DD-AFC4-6F175D3DCCD1}">
+              <a14:hiddenFill xmlns:a14="http://schemas.microsoft.com/office/drawing/2010/main">
+                <a:solidFill>
+                  <a:srgbClr val="FFFFFF"/>
+                </a:solidFill>
+              </a14:hiddenFill>
+            </a:ext>
+          </a:extLst>
+        </p:spPr>
+      </p:pic>
+      <p:sp>
+        <p:nvSpPr>
+          <p:cNvPr id="2" name="Заголовок 1"/>
+          <p:cNvSpPr>
+            <a:spLocks noGrp="1"/>
+          </p:cNvSpPr>
+          <p:nvPr>
+            <p:ph type="title"/>
+          </p:nvPr>
+        </p:nvSpPr>
+        <p:spPr>
+          <a:xfrm>
+            <a:off x="838200" y="426673"/>
+            <a:ext cx="10515600" cy="1325563"/>
+          </a:xfrm>
+        </p:spPr>
+        <p:txBody>
+          <a:bodyPr/>
+          <a:lstStyle/>
+          <a:p>
+            <a:pPr algn="ctr"/>
+            <a:r>
+              <a:rPr lang="ru-RU" dirty="0" smtClean="0">
+                <a:latin typeface="Impact" panose="020B0806030902050204" pitchFamily="34" charset="0"/>
+              </a:rPr>
+              <a:t>Презентация платформы</a:t>
+            </a:r>
+            <a:endParaRPr lang="ru-RU" dirty="0">
+              <a:latin typeface="Impact" panose="020B0806030902050204" pitchFamily="34" charset="0"/>
+            </a:endParaRPr>
+          </a:p>
+        </p:txBody>
+      </p:sp>
+      <p:sp>
+        <p:nvSpPr>
+          <p:cNvPr id="3" name="Объект 2"/>
+          <p:cNvSpPr>
+            <a:spLocks noGrp="1"/>
+          </p:cNvSpPr>
+          <p:nvPr>
+            <p:ph idx="1"/>
+          </p:nvPr>
+        </p:nvSpPr>
+        <p:spPr>
+          <a:xfrm>
+            <a:off x="175846" y="1447559"/>
+            <a:ext cx="11781692" cy="4351338"/>
+          </a:xfrm>
+        </p:spPr>
+        <p:txBody>
+          <a:bodyPr/>
+          <a:lstStyle/>
+          <a:p>
+            <a:pPr marL="0" indent="0">
+              <a:buNone/>
+            </a:pPr>
+            <a:r>
+              <a:rPr lang="ru-RU" dirty="0" smtClean="0">
+                <a:latin typeface="Impact" panose="020B0806030902050204" pitchFamily="34" charset="0"/>
+              </a:rPr>
+              <a:t>Помимо технической документации и схемы в </a:t>
+            </a:r>
+            <a:r>
+              <a:rPr lang="ru-RU" dirty="0" err="1" smtClean="0">
+                <a:latin typeface="Impact" panose="020B0806030902050204" pitchFamily="34" charset="0"/>
+              </a:rPr>
+              <a:t>репозитории</a:t>
+            </a:r>
+            <a:r>
+              <a:rPr lang="ru-RU" dirty="0" smtClean="0">
+                <a:latin typeface="Impact" panose="020B0806030902050204" pitchFamily="34" charset="0"/>
+              </a:rPr>
+              <a:t> так же находится презентация </a:t>
+            </a:r>
+            <a:r>
+              <a:rPr lang="en-US" dirty="0" smtClean="0">
+                <a:latin typeface="Impact" panose="020B0806030902050204" pitchFamily="34" charset="0"/>
+              </a:rPr>
+              <a:t>Microsoft PowerPoint</a:t>
+            </a:r>
+            <a:r>
+              <a:rPr lang="ru-RU" dirty="0" smtClean="0">
+                <a:latin typeface="Impact" panose="020B0806030902050204" pitchFamily="34" charset="0"/>
+              </a:rPr>
+              <a:t>. Презентация поможет тем, кто хочет узнать для чего нужна платформа. В презентации можно прочитать такую информацию как:</a:t>
+            </a:r>
+          </a:p>
+          <a:p>
+            <a:r>
+              <a:rPr lang="ru-RU" dirty="0" smtClean="0">
+                <a:latin typeface="Impact" panose="020B0806030902050204" pitchFamily="34" charset="0"/>
+              </a:rPr>
+              <a:t>Что такое комикс?</a:t>
+            </a:r>
+          </a:p>
+          <a:p>
+            <a:r>
+              <a:rPr lang="ru-RU" dirty="0" smtClean="0">
+                <a:latin typeface="Impact" panose="020B0806030902050204" pitchFamily="34" charset="0"/>
+              </a:rPr>
+              <a:t>Функционал платформы</a:t>
+            </a:r>
+          </a:p>
+          <a:p>
+            <a:r>
+              <a:rPr lang="ru-RU" dirty="0" smtClean="0">
+                <a:latin typeface="Impact" panose="020B0806030902050204" pitchFamily="34" charset="0"/>
+              </a:rPr>
+              <a:t>Целевая аудитория платформы</a:t>
+            </a:r>
+          </a:p>
+          <a:p>
+            <a:r>
+              <a:rPr lang="ru-RU" dirty="0" smtClean="0">
+                <a:latin typeface="Impact" panose="020B0806030902050204" pitchFamily="34" charset="0"/>
+              </a:rPr>
+              <a:t>Интересные факты про платформу</a:t>
+            </a:r>
+          </a:p>
+          <a:p>
+            <a:r>
+              <a:rPr lang="ru-RU" dirty="0" smtClean="0">
+                <a:latin typeface="Impact" panose="020B0806030902050204" pitchFamily="34" charset="0"/>
+              </a:rPr>
+              <a:t>И многое другое</a:t>
+            </a:r>
+            <a:endParaRPr lang="ru-RU" dirty="0">
+              <a:latin typeface="Impact" panose="020B0806030902050204" pitchFamily="34" charset="0"/>
+            </a:endParaRPr>
+          </a:p>
+        </p:txBody>
+      </p:sp>
+      <p:pic>
+        <p:nvPicPr>
+          <p:cNvPr id="7172" name="Picture 4" descr="Microsoft PowerPoint — Википедия"/>
+          <p:cNvPicPr>
+            <a:picLocks noChangeAspect="1" noChangeArrowheads="1"/>
+          </p:cNvPicPr>
+          <p:nvPr/>
+        </p:nvPicPr>
+        <p:blipFill>
+          <a:blip r:embed="rId3" cstate="print">
+            <a:extLst>
+              <a:ext uri="{28A0092B-C50C-407E-A947-70E740481C1C}">
+                <a14:useLocalDpi xmlns:a14="http://schemas.microsoft.com/office/drawing/2010/main" val="0"/>
+              </a:ext>
+            </a:extLst>
+          </a:blip>
+          <a:srcRect/>
+          <a:stretch>
+            <a:fillRect/>
+          </a:stretch>
+        </p:blipFill>
+        <p:spPr bwMode="auto">
+          <a:xfrm>
+            <a:off x="9172171" y="3199795"/>
+            <a:ext cx="2339889" cy="2176097"/>
+          </a:xfrm>
+          <a:prstGeom prst="rect">
+            <a:avLst/>
+          </a:prstGeom>
+          <a:noFill/>
+          <a:extLst>
+            <a:ext uri="{909E8E84-426E-40DD-AFC4-6F175D3DCCD1}">
+              <a14:hiddenFill xmlns:a14="http://schemas.microsoft.com/office/drawing/2010/main">
+                <a:solidFill>
+                  <a:srgbClr val="FFFFFF"/>
+                </a:solidFill>
+              </a14:hiddenFill>
+            </a:ext>
+          </a:extLst>
+        </p:spPr>
+      </p:pic>
+      <p:pic>
+        <p:nvPicPr>
+          <p:cNvPr id="5" name="Рисунок 4"/>
+          <p:cNvPicPr>
+            <a:picLocks noChangeAspect="1"/>
+          </p:cNvPicPr>
+          <p:nvPr/>
+        </p:nvPicPr>
+        <p:blipFill>
+          <a:blip r:embed="rId4">
+            <a:extLst>
+              <a:ext uri="{28A0092B-C50C-407E-A947-70E740481C1C}">
+                <a14:useLocalDpi xmlns:a14="http://schemas.microsoft.com/office/drawing/2010/main" val="0"/>
+              </a:ext>
+            </a:extLst>
+          </a:blip>
+          <a:stretch>
+            <a:fillRect/>
+          </a:stretch>
+        </p:blipFill>
+        <p:spPr>
+          <a:xfrm>
+            <a:off x="6281700" y="3084272"/>
+            <a:ext cx="2714625" cy="2714625"/>
+          </a:xfrm>
+          <a:prstGeom prst="rect">
+            <a:avLst/>
+          </a:prstGeom>
+        </p:spPr>
+      </p:pic>
+    </p:spTree>
+    <p:extLst>
+      <p:ext uri="{BB962C8B-B14F-4D97-AF65-F5344CB8AC3E}">
+        <p14:creationId xmlns:p14="http://schemas.microsoft.com/office/powerpoint/2010/main" val="510053446"/>
+      </p:ext>
+    </p:extLst>
+  </p:cSld>
+  <p:clrMapOvr>
+    <a:masterClrMapping/>
+  </p:clrMapOvr>
+  <mc:AlternateContent xmlns:mc="http://schemas.openxmlformats.org/markup-compatibility/2006">
+    <mc:Choice xmlns:p14="http://schemas.microsoft.com/office/powerpoint/2010/main" Requires="p14">
+      <p:transition spd="slow" p14:dur="2300">
+        <p:push dir="u"/>
+      </p:transition>
+    </mc:Choice>
+    <mc:Fallback>
+      <p:transition spd="slow">
+        <p:push dir="u"/>
+      </p:transition>
+    </mc:Fallback>
+  </mc:AlternateContent>
+  <p:timing>
+    <p:tnLst>
+      <p:par>
+        <p:cTn id="1" dur="indefinite" restart="never" nodeType="tmRoot"/>
+      </p:par>
+    </p:tnLst>
+  </p:timing>
+</p:sld>
+</file>
+
+<file path=ppt/slides/slide8.xml><?xml version="1.0" encoding="utf-8"?>
+<p:sld xmlns:a="http://schemas.openxmlformats.org/drawingml/2006/main" xmlns:r="http://schemas.openxmlformats.org/officeDocument/2006/relationships" xmlns:p="http://schemas.openxmlformats.org/presentationml/2006/main">
+  <p:cSld>
+    <p:spTree>
+      <p:nvGrpSpPr>
+        <p:cNvPr id="1" name=""/>
+        <p:cNvGrpSpPr/>
+        <p:nvPr/>
+      </p:nvGrpSpPr>
+      <p:grpSpPr>
+        <a:xfrm>
+          <a:off x="0" y="0"/>
+          <a:ext cx="0" cy="0"/>
+          <a:chOff x="0" y="0"/>
+          <a:chExt cx="0" cy="0"/>
+        </a:xfrm>
+      </p:grpSpPr>
+      <p:pic>
+        <p:nvPicPr>
+          <p:cNvPr id="3074" name="Picture 2" descr="Best Random Powerpoint Background For Presentation - Slidesdocs.com"/>
+          <p:cNvPicPr>
+            <a:picLocks noChangeAspect="1" noChangeArrowheads="1"/>
+          </p:cNvPicPr>
+          <p:nvPr/>
+        </p:nvPicPr>
+        <p:blipFill>
+          <a:blip r:embed="rId2">
+            <a:extLst>
+              <a:ext uri="{28A0092B-C50C-407E-A947-70E740481C1C}">
+                <a14:useLocalDpi xmlns:a14="http://schemas.microsoft.com/office/drawing/2010/main" val="0"/>
+              </a:ext>
+            </a:extLst>
+          </a:blip>
+          <a:srcRect/>
+          <a:stretch>
+            <a:fillRect/>
+          </a:stretch>
+        </p:blipFill>
+        <p:spPr bwMode="auto">
+          <a:xfrm>
+            <a:off x="0" y="0"/>
+            <a:ext cx="12192000" cy="6858001"/>
+          </a:xfrm>
+          <a:prstGeom prst="rect">
+            <a:avLst/>
+          </a:prstGeom>
+          <a:noFill/>
+          <a:extLst>
+            <a:ext uri="{909E8E84-426E-40DD-AFC4-6F175D3DCCD1}">
+              <a14:hiddenFill xmlns:a14="http://schemas.microsoft.com/office/drawing/2010/main">
+                <a:solidFill>
+                  <a:srgbClr val="FFFFFF"/>
+                </a:solidFill>
+              </a14:hiddenFill>
+            </a:ext>
+          </a:extLst>
+        </p:spPr>
+      </p:pic>
+      <p:sp>
+        <p:nvSpPr>
+          <p:cNvPr id="2" name="Заголовок 1"/>
+          <p:cNvSpPr>
+            <a:spLocks noGrp="1"/>
+          </p:cNvSpPr>
+          <p:nvPr>
+            <p:ph type="title"/>
+          </p:nvPr>
+        </p:nvSpPr>
+        <p:spPr>
+          <a:xfrm>
+            <a:off x="838200" y="549768"/>
+            <a:ext cx="10515600" cy="1325563"/>
+          </a:xfrm>
+        </p:spPr>
+        <p:txBody>
+          <a:bodyPr/>
+          <a:lstStyle/>
+          <a:p>
+            <a:pPr algn="ctr"/>
+            <a:r>
+              <a:rPr lang="ru-RU" dirty="0" smtClean="0">
+                <a:latin typeface="Impact" panose="020B0806030902050204" pitchFamily="34" charset="0"/>
+              </a:rPr>
+              <a:t>Целевая аудитория</a:t>
+            </a:r>
+            <a:endParaRPr lang="ru-RU" dirty="0">
+              <a:latin typeface="Impact" panose="020B0806030902050204" pitchFamily="34" charset="0"/>
+            </a:endParaRPr>
+          </a:p>
+        </p:txBody>
+      </p:sp>
+      <p:sp>
+        <p:nvSpPr>
+          <p:cNvPr id="3" name="Объект 2"/>
+          <p:cNvSpPr>
+            <a:spLocks noGrp="1"/>
+          </p:cNvSpPr>
+          <p:nvPr>
+            <p:ph idx="1"/>
+          </p:nvPr>
+        </p:nvSpPr>
+        <p:spPr>
+          <a:xfrm>
+            <a:off x="838200" y="1570646"/>
+            <a:ext cx="10515600" cy="4351338"/>
+          </a:xfrm>
+        </p:spPr>
+        <p:txBody>
+          <a:bodyPr/>
+          <a:lstStyle/>
+          <a:p>
+            <a:pPr marL="514350" indent="-514350">
+              <a:buFont typeface="+mj-lt"/>
+              <a:buAutoNum type="arabicPeriod"/>
+            </a:pPr>
+            <a:r>
+              <a:rPr lang="ru-RU" dirty="0" smtClean="0">
+                <a:latin typeface="Impact" panose="020B0806030902050204" pitchFamily="34" charset="0"/>
+              </a:rPr>
+              <a:t>Любители комиксов</a:t>
+            </a:r>
+            <a:r>
+              <a:rPr lang="en-US" dirty="0" smtClean="0">
+                <a:latin typeface="Impact" panose="020B0806030902050204" pitchFamily="34" charset="0"/>
+              </a:rPr>
+              <a:t> – </a:t>
+            </a:r>
+            <a:r>
+              <a:rPr lang="ru-RU" dirty="0" smtClean="0">
+                <a:latin typeface="Impact" panose="020B0806030902050204" pitchFamily="34" charset="0"/>
+              </a:rPr>
+              <a:t>могут читать любимые комиксы на нашей платформе</a:t>
+            </a:r>
+          </a:p>
+          <a:p>
+            <a:pPr marL="514350" indent="-514350">
+              <a:buFont typeface="+mj-lt"/>
+              <a:buAutoNum type="arabicPeriod"/>
+            </a:pPr>
+            <a:r>
+              <a:rPr lang="ru-RU" dirty="0" smtClean="0">
+                <a:latin typeface="Impact" panose="020B0806030902050204" pitchFamily="34" charset="0"/>
+              </a:rPr>
+              <a:t>Художники – могут вдохновляться рисунками из комиксов, на нашей платформе</a:t>
+            </a:r>
+          </a:p>
+          <a:p>
+            <a:pPr marL="514350" indent="-514350">
+              <a:buFont typeface="+mj-lt"/>
+              <a:buAutoNum type="arabicPeriod"/>
+            </a:pPr>
+            <a:r>
+              <a:rPr lang="ru-RU" dirty="0" smtClean="0">
+                <a:latin typeface="Impact" panose="020B0806030902050204" pitchFamily="34" charset="0"/>
+              </a:rPr>
+              <a:t>Авторы комиксов – могут </a:t>
+            </a:r>
+            <a:r>
+              <a:rPr lang="ru-RU" dirty="0" smtClean="0">
+                <a:latin typeface="Impact" panose="020B0806030902050204" pitchFamily="34" charset="0"/>
+              </a:rPr>
+              <a:t>опубликовывать </a:t>
+            </a:r>
+            <a:r>
+              <a:rPr lang="ru-RU" dirty="0" smtClean="0">
+                <a:latin typeface="Impact" panose="020B0806030902050204" pitchFamily="34" charset="0"/>
+              </a:rPr>
+              <a:t>комиксы, которые они создали на нашей платформе</a:t>
+            </a:r>
+            <a:endParaRPr lang="ru-RU" dirty="0">
+              <a:latin typeface="Impact" panose="020B0806030902050204" pitchFamily="34" charset="0"/>
+            </a:endParaRPr>
+          </a:p>
+        </p:txBody>
+      </p:sp>
+      <p:pic>
+        <p:nvPicPr>
+          <p:cNvPr id="5" name="Рисунок 4"/>
+          <p:cNvPicPr>
+            <a:picLocks noChangeAspect="1"/>
+          </p:cNvPicPr>
+          <p:nvPr/>
+        </p:nvPicPr>
+        <p:blipFill>
+          <a:blip r:embed="rId3">
+            <a:extLst>
+              <a:ext uri="{28A0092B-C50C-407E-A947-70E740481C1C}">
+                <a14:useLocalDpi xmlns:a14="http://schemas.microsoft.com/office/drawing/2010/main" val="0"/>
+              </a:ext>
+            </a:extLst>
+          </a:blip>
+          <a:stretch>
+            <a:fillRect/>
+          </a:stretch>
+        </p:blipFill>
+        <p:spPr>
+          <a:xfrm>
+            <a:off x="4176939" y="4246978"/>
+            <a:ext cx="3838121" cy="2319828"/>
+          </a:xfrm>
+          <a:prstGeom prst="rect">
+            <a:avLst/>
+          </a:prstGeom>
+        </p:spPr>
+      </p:pic>
+    </p:spTree>
+    <p:extLst>
+      <p:ext uri="{BB962C8B-B14F-4D97-AF65-F5344CB8AC3E}">
+        <p14:creationId xmlns:p14="http://schemas.microsoft.com/office/powerpoint/2010/main" val="1126781592"/>
+      </p:ext>
+    </p:extLst>
+  </p:cSld>
+  <p:clrMapOvr>
+    <a:masterClrMapping/>
+  </p:clrMapOvr>
+  <mc:AlternateContent xmlns:mc="http://schemas.openxmlformats.org/markup-compatibility/2006">
+    <mc:Choice xmlns:p14="http://schemas.microsoft.com/office/powerpoint/2010/main" Requires="p14">
+      <p:transition spd="slow" p14:dur="2500">
+        <p:split orient="vert"/>
+      </p:transition>
+    </mc:Choice>
+    <mc:Fallback>
+      <p:transition spd="slow">
+        <p:split orient="vert"/>
+      </p:transition>
+    </mc:Fallback>
+  </mc:AlternateContent>
+  <p:timing>
+    <p:tnLst>
+      <p:par>
+        <p:cTn id="1" dur="indefinite" restart="never" nodeType="tmRoot"/>
+      </p:par>
+    </p:tnLst>
+  </p:timing>
+</p:sld>
+</file>
+
+<file path=ppt/slides/slide9.xml><?xml version="1.0" encoding="utf-8"?>
+<p:sld xmlns:a="http://schemas.openxmlformats.org/drawingml/2006/main" xmlns:r="http://schemas.openxmlformats.org/officeDocument/2006/relationships" xmlns:p="http://schemas.openxmlformats.org/presentationml/2006/main">
+  <p:cSld>
+    <p:spTree>
+      <p:nvGrpSpPr>
+        <p:cNvPr id="1" name=""/>
+        <p:cNvGrpSpPr/>
+        <p:nvPr/>
+      </p:nvGrpSpPr>
+      <p:grpSpPr>
+        <a:xfrm>
+          <a:off x="0" y="0"/>
+          <a:ext cx="0" cy="0"/>
+          <a:chOff x="0" y="0"/>
+          <a:chExt cx="0" cy="0"/>
+        </a:xfrm>
+      </p:grpSpPr>
+      <p:pic>
+        <p:nvPicPr>
+          <p:cNvPr id="4" name="Picture 2" descr="Best Random Powerpoint Background For Presentation - Slidesdocs.com"/>
+          <p:cNvPicPr>
+            <a:picLocks noChangeAspect="1" noChangeArrowheads="1"/>
+          </p:cNvPicPr>
+          <p:nvPr/>
+        </p:nvPicPr>
+        <p:blipFill>
+          <a:blip r:embed="rId2">
+            <a:extLst>
+              <a:ext uri="{28A0092B-C50C-407E-A947-70E740481C1C}">
+                <a14:useLocalDpi xmlns:a14="http://schemas.microsoft.com/office/drawing/2010/main" val="0"/>
+              </a:ext>
+            </a:extLst>
+          </a:blip>
+          <a:srcRect/>
+          <a:stretch>
+            <a:fillRect/>
+          </a:stretch>
+        </p:blipFill>
+        <p:spPr bwMode="auto">
+          <a:xfrm>
+            <a:off x="0" y="0"/>
+            <a:ext cx="12192000" cy="6858001"/>
+          </a:xfrm>
+          <a:prstGeom prst="rect">
+            <a:avLst/>
+          </a:prstGeom>
+          <a:noFill/>
+          <a:extLst>
+            <a:ext uri="{909E8E84-426E-40DD-AFC4-6F175D3DCCD1}">
+              <a14:hiddenFill xmlns:a14="http://schemas.microsoft.com/office/drawing/2010/main">
+                <a:solidFill>
+                  <a:srgbClr val="FFFFFF"/>
+                </a:solidFill>
+              </a14:hiddenFill>
+            </a:ext>
+          </a:extLst>
+        </p:spPr>
+      </p:pic>
+      <p:sp>
+        <p:nvSpPr>
+          <p:cNvPr id="2" name="Заголовок 1"/>
+          <p:cNvSpPr>
+            <a:spLocks noGrp="1"/>
+          </p:cNvSpPr>
+          <p:nvPr>
+            <p:ph type="title"/>
+          </p:nvPr>
+        </p:nvSpPr>
+        <p:spPr>
+          <a:xfrm>
+            <a:off x="838200" y="523386"/>
+            <a:ext cx="10515600" cy="1325563"/>
+          </a:xfrm>
+        </p:spPr>
+        <p:txBody>
+          <a:bodyPr/>
+          <a:lstStyle/>
+          <a:p>
+            <a:pPr algn="ctr"/>
+            <a:r>
+              <a:rPr lang="ru-RU" dirty="0" smtClean="0">
+                <a:latin typeface="Impact" panose="020B0806030902050204" pitchFamily="34" charset="0"/>
+              </a:rPr>
+              <a:t>Интересные факты</a:t>
+            </a:r>
+            <a:endParaRPr lang="ru-RU" dirty="0">
+              <a:latin typeface="Impact" panose="020B0806030902050204" pitchFamily="34" charset="0"/>
+            </a:endParaRPr>
+          </a:p>
+        </p:txBody>
+      </p:sp>
+      <p:sp>
+        <p:nvSpPr>
+          <p:cNvPr id="3" name="Объект 2"/>
+          <p:cNvSpPr>
+            <a:spLocks noGrp="1"/>
+          </p:cNvSpPr>
+          <p:nvPr>
+            <p:ph idx="1"/>
+          </p:nvPr>
+        </p:nvSpPr>
+        <p:spPr>
+          <a:xfrm>
+            <a:off x="838200" y="1667369"/>
+            <a:ext cx="10515600" cy="4351338"/>
+          </a:xfrm>
+        </p:spPr>
+        <p:txBody>
+          <a:bodyPr/>
+          <a:lstStyle/>
+          <a:p>
+            <a:pPr marL="0" indent="0">
+              <a:buNone/>
+            </a:pPr>
+            <a:r>
+              <a:rPr lang="ru-RU" dirty="0" smtClean="0">
+                <a:latin typeface="Impact" panose="020B0806030902050204" pitchFamily="34" charset="0"/>
+              </a:rPr>
+              <a:t>1) При регистрации если пользователь сделает пароль на подобии «</a:t>
+            </a:r>
+            <a:r>
+              <a:rPr lang="en-US" dirty="0" smtClean="0">
+                <a:latin typeface="Impact" panose="020B0806030902050204" pitchFamily="34" charset="0"/>
+              </a:rPr>
+              <a:t>qwerty123</a:t>
+            </a:r>
+            <a:r>
+              <a:rPr lang="ru-RU" dirty="0" smtClean="0">
+                <a:latin typeface="Impact" panose="020B0806030902050204" pitchFamily="34" charset="0"/>
+              </a:rPr>
+              <a:t>» или «</a:t>
+            </a:r>
+            <a:r>
+              <a:rPr lang="en-US" dirty="0" err="1" smtClean="0">
+                <a:latin typeface="Impact" panose="020B0806030902050204" pitchFamily="34" charset="0"/>
+              </a:rPr>
+              <a:t>qwertyuiop</a:t>
+            </a:r>
+            <a:r>
+              <a:rPr lang="ru-RU" dirty="0" smtClean="0">
+                <a:latin typeface="Impact" panose="020B0806030902050204" pitchFamily="34" charset="0"/>
+              </a:rPr>
+              <a:t>», то система выведет сообщение о том, что это слишком распространённый пароль и попросит пользователя придумать новый пароль</a:t>
+            </a:r>
+          </a:p>
+          <a:p>
+            <a:pPr marL="0" indent="0">
+              <a:buNone/>
+            </a:pPr>
+            <a:r>
+              <a:rPr lang="ru-RU" dirty="0" smtClean="0">
+                <a:latin typeface="Impact" panose="020B0806030902050204" pitchFamily="34" charset="0"/>
+              </a:rPr>
+              <a:t>2) Данные о логине, пароле пользователей и комиксах хранятся в базе данных </a:t>
+            </a:r>
+            <a:r>
+              <a:rPr lang="en-US" dirty="0" smtClean="0">
+                <a:latin typeface="Impact" panose="020B0806030902050204" pitchFamily="34" charset="0"/>
+              </a:rPr>
+              <a:t>SQL</a:t>
+            </a:r>
+            <a:endParaRPr lang="ru-RU" dirty="0" smtClean="0">
+              <a:latin typeface="Impact" panose="020B0806030902050204" pitchFamily="34" charset="0"/>
+            </a:endParaRPr>
+          </a:p>
+          <a:p>
+            <a:pPr marL="0" indent="0">
+              <a:buNone/>
+            </a:pPr>
+            <a:r>
+              <a:rPr lang="ru-RU" dirty="0" smtClean="0">
+                <a:latin typeface="Impact" panose="020B0806030902050204" pitchFamily="34" charset="0"/>
+              </a:rPr>
+              <a:t>3) Данная платформа может быть использована как для комиксов, так и для </a:t>
+            </a:r>
+            <a:r>
+              <a:rPr lang="ru-RU" dirty="0" err="1" smtClean="0">
+                <a:latin typeface="Impact" panose="020B0806030902050204" pitchFamily="34" charset="0"/>
+              </a:rPr>
+              <a:t>манги</a:t>
+            </a:r>
+            <a:r>
+              <a:rPr lang="ru-RU" dirty="0" smtClean="0">
+                <a:latin typeface="Impact" panose="020B0806030902050204" pitchFamily="34" charset="0"/>
+              </a:rPr>
+              <a:t> (японские комиксы)</a:t>
+            </a:r>
+          </a:p>
+          <a:p>
+            <a:endParaRPr lang="ru-RU" dirty="0"/>
+          </a:p>
+        </p:txBody>
+      </p:sp>
+      <p:pic>
+        <p:nvPicPr>
+          <p:cNvPr id="8" name="Рисунок 7"/>
+          <p:cNvPicPr>
+            <a:picLocks noChangeAspect="1"/>
+          </p:cNvPicPr>
+          <p:nvPr/>
+        </p:nvPicPr>
+        <p:blipFill>
+          <a:blip r:embed="rId3">
+            <a:extLst>
+              <a:ext uri="{28A0092B-C50C-407E-A947-70E740481C1C}">
+                <a14:useLocalDpi xmlns:a14="http://schemas.microsoft.com/office/drawing/2010/main" val="0"/>
+              </a:ext>
+            </a:extLst>
+          </a:blip>
+          <a:stretch>
+            <a:fillRect/>
+          </a:stretch>
+        </p:blipFill>
+        <p:spPr>
+          <a:xfrm>
+            <a:off x="4986337" y="4926996"/>
+            <a:ext cx="2219325" cy="1847850"/>
+          </a:xfrm>
+          <a:prstGeom prst="rect">
+            <a:avLst/>
+          </a:prstGeom>
+        </p:spPr>
+      </p:pic>
+    </p:spTree>
+    <p:extLst>
+      <p:ext uri="{BB962C8B-B14F-4D97-AF65-F5344CB8AC3E}">
+        <p14:creationId xmlns:p14="http://schemas.microsoft.com/office/powerpoint/2010/main" val="2428496204"/>
+      </p:ext>
+    </p:extLst>
+  </p:cSld>
+  <p:clrMapOvr>
+    <a:masterClrMapping/>
+  </p:clrMapOvr>
+  <mc:AlternateContent xmlns:mc="http://schemas.openxmlformats.org/markup-compatibility/2006">
+    <mc:Choice xmlns:p15="http://schemas.microsoft.com/office/powerpoint/2012/main" Requires="p15">
+      <p:transition xmlns:p14="http://schemas.microsoft.com/office/powerpoint/2010/main" spd="slow" p14:dur="2550">
+        <p15:prstTrans prst="airplane"/>
+      </p:transition>
+    </mc:Choice>
+    <mc:Fallback>
+      <p:transition spd="slow">
+        <p:fade/>
+      </p:transition>
+    </mc:Fallback>
+  </mc:AlternateContent>
   <p:timing>
     <p:tnLst>
       <p:par>
